--- a/lecture/lecture1_llcao.pptx
+++ b/lecture/lecture1_llcao.pptx
@@ -259,14 +259,14 @@
           <a:effectLst/>
           <a:extLst>
             <a:ext uri="{909E8E84-426E-40dd-AFC4-6F175D3DCCD1}">
-              <a14:hiddenFill xmlns="" xmlns:a14="http://schemas.microsoft.com/office/drawing/2010/main">
+              <a14:hiddenFill xmlns:a14="http://schemas.microsoft.com/office/drawing/2010/main" xmlns="">
                 <a:solidFill>
                   <a:schemeClr val="accent1"/>
                 </a:solidFill>
               </a14:hiddenFill>
             </a:ext>
             <a:ext uri="{91240B29-F687-4f45-9708-019B960494DF}">
-              <a14:hiddenLine xmlns="" xmlns:a14="http://schemas.microsoft.com/office/drawing/2010/main" w="9525">
+              <a14:hiddenLine xmlns:a14="http://schemas.microsoft.com/office/drawing/2010/main" xmlns="" w="9525">
                 <a:solidFill>
                   <a:schemeClr val="tx1"/>
                 </a:solidFill>
@@ -276,7 +276,7 @@
               </a14:hiddenLine>
             </a:ext>
             <a:ext uri="{AF507438-7753-43e0-B8FC-AC1667EBCBE1}">
-              <a14:hiddenEffects xmlns="" xmlns:a14="http://schemas.microsoft.com/office/drawing/2010/main">
+              <a14:hiddenEffects xmlns:a14="http://schemas.microsoft.com/office/drawing/2010/main" xmlns="">
                 <a:effectLst>
                   <a:outerShdw dist="35921" dir="2700000" algn="ctr" rotWithShape="0">
                     <a:schemeClr val="bg2"/>
@@ -334,14 +334,14 @@
           <a:effectLst/>
           <a:extLst>
             <a:ext uri="{909E8E84-426E-40dd-AFC4-6F175D3DCCD1}">
-              <a14:hiddenFill xmlns="" xmlns:a14="http://schemas.microsoft.com/office/drawing/2010/main">
+              <a14:hiddenFill xmlns:a14="http://schemas.microsoft.com/office/drawing/2010/main" xmlns="">
                 <a:solidFill>
                   <a:schemeClr val="accent1"/>
                 </a:solidFill>
               </a14:hiddenFill>
             </a:ext>
             <a:ext uri="{91240B29-F687-4f45-9708-019B960494DF}">
-              <a14:hiddenLine xmlns="" xmlns:a14="http://schemas.microsoft.com/office/drawing/2010/main" w="9525">
+              <a14:hiddenLine xmlns:a14="http://schemas.microsoft.com/office/drawing/2010/main" xmlns="" w="9525">
                 <a:solidFill>
                   <a:schemeClr val="tx1"/>
                 </a:solidFill>
@@ -351,7 +351,7 @@
               </a14:hiddenLine>
             </a:ext>
             <a:ext uri="{AF507438-7753-43e0-B8FC-AC1667EBCBE1}">
-              <a14:hiddenEffects xmlns="" xmlns:a14="http://schemas.microsoft.com/office/drawing/2010/main">
+              <a14:hiddenEffects xmlns:a14="http://schemas.microsoft.com/office/drawing/2010/main" xmlns="">
                 <a:effectLst>
                   <a:outerShdw dist="35921" dir="2700000" algn="ctr" rotWithShape="0">
                     <a:schemeClr val="bg2"/>
@@ -409,14 +409,14 @@
           <a:effectLst/>
           <a:extLst>
             <a:ext uri="{909E8E84-426E-40dd-AFC4-6F175D3DCCD1}">
-              <a14:hiddenFill xmlns="" xmlns:a14="http://schemas.microsoft.com/office/drawing/2010/main">
+              <a14:hiddenFill xmlns:a14="http://schemas.microsoft.com/office/drawing/2010/main" xmlns="">
                 <a:solidFill>
                   <a:schemeClr val="accent1"/>
                 </a:solidFill>
               </a14:hiddenFill>
             </a:ext>
             <a:ext uri="{91240B29-F687-4f45-9708-019B960494DF}">
-              <a14:hiddenLine xmlns="" xmlns:a14="http://schemas.microsoft.com/office/drawing/2010/main" w="9525">
+              <a14:hiddenLine xmlns:a14="http://schemas.microsoft.com/office/drawing/2010/main" xmlns="" w="9525">
                 <a:solidFill>
                   <a:schemeClr val="tx1"/>
                 </a:solidFill>
@@ -426,7 +426,7 @@
               </a14:hiddenLine>
             </a:ext>
             <a:ext uri="{AF507438-7753-43e0-B8FC-AC1667EBCBE1}">
-              <a14:hiddenEffects xmlns="" xmlns:a14="http://schemas.microsoft.com/office/drawing/2010/main">
+              <a14:hiddenEffects xmlns:a14="http://schemas.microsoft.com/office/drawing/2010/main" xmlns="">
                 <a:effectLst>
                   <a:outerShdw dist="35921" dir="2700000" algn="ctr" rotWithShape="0">
                     <a:schemeClr val="bg2"/>
@@ -484,14 +484,14 @@
           <a:effectLst/>
           <a:extLst>
             <a:ext uri="{909E8E84-426E-40dd-AFC4-6F175D3DCCD1}">
-              <a14:hiddenFill xmlns="" xmlns:a14="http://schemas.microsoft.com/office/drawing/2010/main">
+              <a14:hiddenFill xmlns:a14="http://schemas.microsoft.com/office/drawing/2010/main" xmlns="">
                 <a:solidFill>
                   <a:schemeClr val="accent1"/>
                 </a:solidFill>
               </a14:hiddenFill>
             </a:ext>
             <a:ext uri="{91240B29-F687-4f45-9708-019B960494DF}">
-              <a14:hiddenLine xmlns="" xmlns:a14="http://schemas.microsoft.com/office/drawing/2010/main" w="9525">
+              <a14:hiddenLine xmlns:a14="http://schemas.microsoft.com/office/drawing/2010/main" xmlns="" w="9525">
                 <a:solidFill>
                   <a:schemeClr val="tx1"/>
                 </a:solidFill>
@@ -501,7 +501,7 @@
               </a14:hiddenLine>
             </a:ext>
             <a:ext uri="{AF507438-7753-43e0-B8FC-AC1667EBCBE1}">
-              <a14:hiddenEffects xmlns="" xmlns:a14="http://schemas.microsoft.com/office/drawing/2010/main">
+              <a14:hiddenEffects xmlns:a14="http://schemas.microsoft.com/office/drawing/2010/main" xmlns="">
                 <a:effectLst>
                   <a:outerShdw dist="35921" dir="2700000" algn="ctr" rotWithShape="0">
                     <a:schemeClr val="bg2"/>
@@ -600,14 +600,14 @@
           <a:effectLst/>
           <a:extLst>
             <a:ext uri="{909E8E84-426E-40dd-AFC4-6F175D3DCCD1}">
-              <a14:hiddenFill xmlns="" xmlns:a14="http://schemas.microsoft.com/office/drawing/2010/main">
+              <a14:hiddenFill xmlns:a14="http://schemas.microsoft.com/office/drawing/2010/main" xmlns="">
                 <a:solidFill>
                   <a:schemeClr val="accent1"/>
                 </a:solidFill>
               </a14:hiddenFill>
             </a:ext>
             <a:ext uri="{91240B29-F687-4f45-9708-019B960494DF}">
-              <a14:hiddenLine xmlns="" xmlns:a14="http://schemas.microsoft.com/office/drawing/2010/main" w="9525">
+              <a14:hiddenLine xmlns:a14="http://schemas.microsoft.com/office/drawing/2010/main" xmlns="" w="9525">
                 <a:solidFill>
                   <a:schemeClr val="tx1"/>
                 </a:solidFill>
@@ -617,7 +617,7 @@
               </a14:hiddenLine>
             </a:ext>
             <a:ext uri="{AF507438-7753-43e0-B8FC-AC1667EBCBE1}">
-              <a14:hiddenEffects xmlns="" xmlns:a14="http://schemas.microsoft.com/office/drawing/2010/main">
+              <a14:hiddenEffects xmlns:a14="http://schemas.microsoft.com/office/drawing/2010/main" xmlns="">
                 <a:effectLst>
                   <a:outerShdw dist="35921" dir="2700000" algn="ctr" rotWithShape="0">
                     <a:schemeClr val="bg2"/>
@@ -675,14 +675,14 @@
           <a:effectLst/>
           <a:extLst>
             <a:ext uri="{909E8E84-426E-40dd-AFC4-6F175D3DCCD1}">
-              <a14:hiddenFill xmlns="" xmlns:a14="http://schemas.microsoft.com/office/drawing/2010/main">
+              <a14:hiddenFill xmlns:a14="http://schemas.microsoft.com/office/drawing/2010/main" xmlns="">
                 <a:solidFill>
                   <a:schemeClr val="accent1"/>
                 </a:solidFill>
               </a14:hiddenFill>
             </a:ext>
             <a:ext uri="{91240B29-F687-4f45-9708-019B960494DF}">
-              <a14:hiddenLine xmlns="" xmlns:a14="http://schemas.microsoft.com/office/drawing/2010/main" w="9525">
+              <a14:hiddenLine xmlns:a14="http://schemas.microsoft.com/office/drawing/2010/main" xmlns="" w="9525">
                 <a:solidFill>
                   <a:schemeClr val="tx1"/>
                 </a:solidFill>
@@ -692,7 +692,7 @@
               </a14:hiddenLine>
             </a:ext>
             <a:ext uri="{AF507438-7753-43e0-B8FC-AC1667EBCBE1}">
-              <a14:hiddenEffects xmlns="" xmlns:a14="http://schemas.microsoft.com/office/drawing/2010/main">
+              <a14:hiddenEffects xmlns:a14="http://schemas.microsoft.com/office/drawing/2010/main" xmlns="">
                 <a:effectLst>
                   <a:outerShdw dist="35921" dir="2700000" algn="ctr" rotWithShape="0">
                     <a:schemeClr val="bg2"/>
@@ -755,14 +755,14 @@
           <a:effectLst/>
           <a:extLst>
             <a:ext uri="{909E8E84-426E-40dd-AFC4-6F175D3DCCD1}">
-              <a14:hiddenFill xmlns="" xmlns:a14="http://schemas.microsoft.com/office/drawing/2010/main">
+              <a14:hiddenFill xmlns:a14="http://schemas.microsoft.com/office/drawing/2010/main" xmlns="">
                 <a:solidFill>
                   <a:srgbClr val="FFFFFF"/>
                 </a:solidFill>
               </a14:hiddenFill>
             </a:ext>
             <a:ext uri="{AF507438-7753-43e0-B8FC-AC1667EBCBE1}">
-              <a14:hiddenEffects xmlns="" xmlns:a14="http://schemas.microsoft.com/office/drawing/2010/main">
+              <a14:hiddenEffects xmlns:a14="http://schemas.microsoft.com/office/drawing/2010/main" xmlns="">
                 <a:effectLst>
                   <a:outerShdw dist="35921" dir="2700000" algn="ctr" rotWithShape="0">
                     <a:srgbClr val="808080"/>
@@ -771,7 +771,7 @@
               </a14:hiddenEffects>
             </a:ext>
             <a:ext uri="{53640926-AAD7-44d8-BBD7-CCE9431645EC}">
-              <a14:shadowObscured xmlns="" xmlns:a14="http://schemas.microsoft.com/office/drawing/2010/main" val="1"/>
+              <a14:shadowObscured xmlns:a14="http://schemas.microsoft.com/office/drawing/2010/main" xmlns="" val="1"/>
             </a:ext>
           </a:extLst>
         </p:spPr>
@@ -801,14 +801,14 @@
           <a:effectLst/>
           <a:extLst>
             <a:ext uri="{909E8E84-426E-40dd-AFC4-6F175D3DCCD1}">
-              <a14:hiddenFill xmlns="" xmlns:a14="http://schemas.microsoft.com/office/drawing/2010/main">
+              <a14:hiddenFill xmlns:a14="http://schemas.microsoft.com/office/drawing/2010/main" xmlns="">
                 <a:solidFill>
                   <a:schemeClr val="accent1"/>
                 </a:solidFill>
               </a14:hiddenFill>
             </a:ext>
             <a:ext uri="{91240B29-F687-4f45-9708-019B960494DF}">
-              <a14:hiddenLine xmlns="" xmlns:a14="http://schemas.microsoft.com/office/drawing/2010/main" w="9525">
+              <a14:hiddenLine xmlns:a14="http://schemas.microsoft.com/office/drawing/2010/main" xmlns="" w="9525">
                 <a:solidFill>
                   <a:schemeClr val="tx1"/>
                 </a:solidFill>
@@ -818,7 +818,7 @@
               </a14:hiddenLine>
             </a:ext>
             <a:ext uri="{AF507438-7753-43e0-B8FC-AC1667EBCBE1}">
-              <a14:hiddenEffects xmlns="" xmlns:a14="http://schemas.microsoft.com/office/drawing/2010/main">
+              <a14:hiddenEffects xmlns:a14="http://schemas.microsoft.com/office/drawing/2010/main" xmlns="">
                 <a:effectLst>
                   <a:outerShdw dist="35921" dir="2700000" algn="ctr" rotWithShape="0">
                     <a:schemeClr val="bg2"/>
@@ -897,14 +897,14 @@
           <a:effectLst/>
           <a:extLst>
             <a:ext uri="{909E8E84-426E-40dd-AFC4-6F175D3DCCD1}">
-              <a14:hiddenFill xmlns="" xmlns:a14="http://schemas.microsoft.com/office/drawing/2010/main">
+              <a14:hiddenFill xmlns:a14="http://schemas.microsoft.com/office/drawing/2010/main" xmlns="">
                 <a:solidFill>
                   <a:schemeClr val="accent1"/>
                 </a:solidFill>
               </a14:hiddenFill>
             </a:ext>
             <a:ext uri="{91240B29-F687-4f45-9708-019B960494DF}">
-              <a14:hiddenLine xmlns="" xmlns:a14="http://schemas.microsoft.com/office/drawing/2010/main" w="9525">
+              <a14:hiddenLine xmlns:a14="http://schemas.microsoft.com/office/drawing/2010/main" xmlns="" w="9525">
                 <a:solidFill>
                   <a:schemeClr val="tx1"/>
                 </a:solidFill>
@@ -914,7 +914,7 @@
               </a14:hiddenLine>
             </a:ext>
             <a:ext uri="{AF507438-7753-43e0-B8FC-AC1667EBCBE1}">
-              <a14:hiddenEffects xmlns="" xmlns:a14="http://schemas.microsoft.com/office/drawing/2010/main">
+              <a14:hiddenEffects xmlns:a14="http://schemas.microsoft.com/office/drawing/2010/main" xmlns="">
                 <a:effectLst>
                   <a:outerShdw dist="35921" dir="2700000" algn="ctr" rotWithShape="0">
                     <a:schemeClr val="bg2"/>
@@ -972,14 +972,14 @@
           <a:effectLst/>
           <a:extLst>
             <a:ext uri="{909E8E84-426E-40dd-AFC4-6F175D3DCCD1}">
-              <a14:hiddenFill xmlns="" xmlns:a14="http://schemas.microsoft.com/office/drawing/2010/main">
+              <a14:hiddenFill xmlns:a14="http://schemas.microsoft.com/office/drawing/2010/main" xmlns="">
                 <a:solidFill>
                   <a:schemeClr val="accent1"/>
                 </a:solidFill>
               </a14:hiddenFill>
             </a:ext>
             <a:ext uri="{91240B29-F687-4f45-9708-019B960494DF}">
-              <a14:hiddenLine xmlns="" xmlns:a14="http://schemas.microsoft.com/office/drawing/2010/main" w="9525">
+              <a14:hiddenLine xmlns:a14="http://schemas.microsoft.com/office/drawing/2010/main" xmlns="" w="9525">
                 <a:solidFill>
                   <a:schemeClr val="tx1"/>
                 </a:solidFill>
@@ -989,7 +989,7 @@
               </a14:hiddenLine>
             </a:ext>
             <a:ext uri="{AF507438-7753-43e0-B8FC-AC1667EBCBE1}">
-              <a14:hiddenEffects xmlns="" xmlns:a14="http://schemas.microsoft.com/office/drawing/2010/main">
+              <a14:hiddenEffects xmlns:a14="http://schemas.microsoft.com/office/drawing/2010/main" xmlns="">
                 <a:effectLst>
                   <a:outerShdw dist="35921" dir="2700000" algn="ctr" rotWithShape="0">
                     <a:schemeClr val="bg2"/>
@@ -5234,14 +5234,14 @@
           </a:ln>
           <a:extLst>
             <a:ext uri="{909E8E84-426E-40dd-AFC4-6F175D3DCCD1}">
-              <a14:hiddenFill xmlns="" xmlns:a14="http://schemas.microsoft.com/office/drawing/2010/main">
+              <a14:hiddenFill xmlns:a14="http://schemas.microsoft.com/office/drawing/2010/main" xmlns="">
                 <a:solidFill>
                   <a:srgbClr val="FFFFFF"/>
                 </a:solidFill>
               </a14:hiddenFill>
             </a:ext>
             <a:ext uri="{91240B29-F687-4f45-9708-019B960494DF}">
-              <a14:hiddenLine xmlns="" xmlns:a14="http://schemas.microsoft.com/office/drawing/2010/main" w="9525">
+              <a14:hiddenLine xmlns:a14="http://schemas.microsoft.com/office/drawing/2010/main" xmlns="" w="9525">
                 <a:solidFill>
                   <a:srgbClr val="000000"/>
                 </a:solidFill>
@@ -5292,14 +5292,14 @@
           </a:ln>
           <a:extLst>
             <a:ext uri="{909E8E84-426E-40dd-AFC4-6F175D3DCCD1}">
-              <a14:hiddenFill xmlns="" xmlns:a14="http://schemas.microsoft.com/office/drawing/2010/main">
+              <a14:hiddenFill xmlns:a14="http://schemas.microsoft.com/office/drawing/2010/main" xmlns="">
                 <a:solidFill>
                   <a:srgbClr val="FFFFFF"/>
                 </a:solidFill>
               </a14:hiddenFill>
             </a:ext>
             <a:ext uri="{91240B29-F687-4f45-9708-019B960494DF}">
-              <a14:hiddenLine xmlns="" xmlns:a14="http://schemas.microsoft.com/office/drawing/2010/main" w="9525">
+              <a14:hiddenLine xmlns:a14="http://schemas.microsoft.com/office/drawing/2010/main" xmlns="" w="9525">
                 <a:solidFill>
                   <a:srgbClr val="000000"/>
                 </a:solidFill>
@@ -5379,14 +5379,14 @@
           <a:effectLst/>
           <a:extLst>
             <a:ext uri="{909E8E84-426E-40dd-AFC4-6F175D3DCCD1}">
-              <a14:hiddenFill xmlns="" xmlns:a14="http://schemas.microsoft.com/office/drawing/2010/main">
+              <a14:hiddenFill xmlns:a14="http://schemas.microsoft.com/office/drawing/2010/main" xmlns="">
                 <a:solidFill>
                   <a:schemeClr val="accent1"/>
                 </a:solidFill>
               </a14:hiddenFill>
             </a:ext>
             <a:ext uri="{91240B29-F687-4f45-9708-019B960494DF}">
-              <a14:hiddenLine xmlns="" xmlns:a14="http://schemas.microsoft.com/office/drawing/2010/main" w="9525">
+              <a14:hiddenLine xmlns:a14="http://schemas.microsoft.com/office/drawing/2010/main" xmlns="" w="9525">
                 <a:solidFill>
                   <a:schemeClr val="tx1"/>
                 </a:solidFill>
@@ -5396,7 +5396,7 @@
               </a14:hiddenLine>
             </a:ext>
             <a:ext uri="{AF507438-7753-43e0-B8FC-AC1667EBCBE1}">
-              <a14:hiddenEffects xmlns="" xmlns:a14="http://schemas.microsoft.com/office/drawing/2010/main">
+              <a14:hiddenEffects xmlns:a14="http://schemas.microsoft.com/office/drawing/2010/main" xmlns="">
                 <a:effectLst>
                   <a:outerShdw dist="35921" dir="2700000" algn="ctr" rotWithShape="0">
                     <a:schemeClr val="bg2"/>
@@ -6208,14 +6208,14 @@
           <a:effectLst/>
           <a:extLst>
             <a:ext uri="{909E8E84-426E-40dd-AFC4-6F175D3DCCD1}">
-              <a14:hiddenFill xmlns="" xmlns:a14="http://schemas.microsoft.com/office/drawing/2010/main">
+              <a14:hiddenFill xmlns:a14="http://schemas.microsoft.com/office/drawing/2010/main" xmlns="">
                 <a:solidFill>
                   <a:schemeClr val="accent1"/>
                 </a:solidFill>
               </a14:hiddenFill>
             </a:ext>
             <a:ext uri="{91240B29-F687-4f45-9708-019B960494DF}">
-              <a14:hiddenLine xmlns="" xmlns:a14="http://schemas.microsoft.com/office/drawing/2010/main" w="9525">
+              <a14:hiddenLine xmlns:a14="http://schemas.microsoft.com/office/drawing/2010/main" xmlns="" w="9525">
                 <a:solidFill>
                   <a:schemeClr val="tx1"/>
                 </a:solidFill>
@@ -6225,7 +6225,7 @@
               </a14:hiddenLine>
             </a:ext>
             <a:ext uri="{AF507438-7753-43e0-B8FC-AC1667EBCBE1}">
-              <a14:hiddenEffects xmlns="" xmlns:a14="http://schemas.microsoft.com/office/drawing/2010/main">
+              <a14:hiddenEffects xmlns:a14="http://schemas.microsoft.com/office/drawing/2010/main" xmlns="">
                 <a:effectLst>
                   <a:outerShdw dist="35921" dir="2700000" algn="ctr" rotWithShape="0">
                     <a:schemeClr val="bg2"/>
@@ -6490,14 +6490,14 @@
           <a:effectLst/>
           <a:extLst>
             <a:ext uri="{909E8E84-426E-40dd-AFC4-6F175D3DCCD1}">
-              <a14:hiddenFill xmlns="" xmlns:a14="http://schemas.microsoft.com/office/drawing/2010/main">
+              <a14:hiddenFill xmlns:a14="http://schemas.microsoft.com/office/drawing/2010/main" xmlns="">
                 <a:solidFill>
                   <a:schemeClr val="accent1"/>
                 </a:solidFill>
               </a14:hiddenFill>
             </a:ext>
             <a:ext uri="{91240B29-F687-4f45-9708-019B960494DF}">
-              <a14:hiddenLine xmlns="" xmlns:a14="http://schemas.microsoft.com/office/drawing/2010/main" w="9525">
+              <a14:hiddenLine xmlns:a14="http://schemas.microsoft.com/office/drawing/2010/main" xmlns="" w="9525">
                 <a:solidFill>
                   <a:schemeClr val="tx1"/>
                 </a:solidFill>
@@ -6507,7 +6507,7 @@
               </a14:hiddenLine>
             </a:ext>
             <a:ext uri="{AF507438-7753-43e0-B8FC-AC1667EBCBE1}">
-              <a14:hiddenEffects xmlns="" xmlns:a14="http://schemas.microsoft.com/office/drawing/2010/main">
+              <a14:hiddenEffects xmlns:a14="http://schemas.microsoft.com/office/drawing/2010/main" xmlns="">
                 <a:effectLst>
                   <a:outerShdw dist="35921" dir="2700000" algn="ctr" rotWithShape="0">
                     <a:schemeClr val="bg2"/>
@@ -6706,14 +6706,14 @@
           <a:effectLst/>
           <a:extLst>
             <a:ext uri="{909E8E84-426E-40dd-AFC4-6F175D3DCCD1}">
-              <a14:hiddenFill xmlns="" xmlns:a14="http://schemas.microsoft.com/office/drawing/2010/main">
+              <a14:hiddenFill xmlns:a14="http://schemas.microsoft.com/office/drawing/2010/main" xmlns="">
                 <a:solidFill>
                   <a:schemeClr val="accent1"/>
                 </a:solidFill>
               </a14:hiddenFill>
             </a:ext>
             <a:ext uri="{91240B29-F687-4f45-9708-019B960494DF}">
-              <a14:hiddenLine xmlns="" xmlns:a14="http://schemas.microsoft.com/office/drawing/2010/main" w="9525">
+              <a14:hiddenLine xmlns:a14="http://schemas.microsoft.com/office/drawing/2010/main" xmlns="" w="9525">
                 <a:solidFill>
                   <a:schemeClr val="tx1"/>
                 </a:solidFill>
@@ -6723,7 +6723,7 @@
               </a14:hiddenLine>
             </a:ext>
             <a:ext uri="{AF507438-7753-43e0-B8FC-AC1667EBCBE1}">
-              <a14:hiddenEffects xmlns="" xmlns:a14="http://schemas.microsoft.com/office/drawing/2010/main">
+              <a14:hiddenEffects xmlns:a14="http://schemas.microsoft.com/office/drawing/2010/main" xmlns="">
                 <a:effectLst>
                   <a:outerShdw dist="35921" dir="2700000" algn="ctr" rotWithShape="0">
                     <a:schemeClr val="bg2"/>
@@ -8944,14 +8944,14 @@
           <a:effectLst/>
           <a:extLst>
             <a:ext uri="{909E8E84-426E-40dd-AFC4-6F175D3DCCD1}">
-              <a14:hiddenFill xmlns="" xmlns:a14="http://schemas.microsoft.com/office/drawing/2010/main">
+              <a14:hiddenFill xmlns:a14="http://schemas.microsoft.com/office/drawing/2010/main" xmlns="">
                 <a:solidFill>
                   <a:schemeClr val="accent1"/>
                 </a:solidFill>
               </a14:hiddenFill>
             </a:ext>
             <a:ext uri="{91240B29-F687-4f45-9708-019B960494DF}">
-              <a14:hiddenLine xmlns="" xmlns:a14="http://schemas.microsoft.com/office/drawing/2010/main" w="9525" algn="ctr">
+              <a14:hiddenLine xmlns:a14="http://schemas.microsoft.com/office/drawing/2010/main" xmlns="" w="9525" algn="ctr">
                 <a:solidFill>
                   <a:schemeClr val="tx1"/>
                 </a:solidFill>
@@ -8961,7 +8961,7 @@
               </a14:hiddenLine>
             </a:ext>
             <a:ext uri="{AF507438-7753-43e0-B8FC-AC1667EBCBE1}">
-              <a14:hiddenEffects xmlns="" xmlns:a14="http://schemas.microsoft.com/office/drawing/2010/main">
+              <a14:hiddenEffects xmlns:a14="http://schemas.microsoft.com/office/drawing/2010/main" xmlns="">
                 <a:effectLst>
                   <a:outerShdw dist="35921" dir="2700000" algn="ctr" rotWithShape="0">
                     <a:schemeClr val="bg2"/>
@@ -9470,17 +9470,7 @@
                 <a:latin typeface="Garamond" panose="02020404030301010803" pitchFamily="18" charset="0"/>
                 <a:ea typeface="宋体" panose="02010600030101010101" pitchFamily="2" charset="-122"/>
               </a:rPr>
-              <a:t> and</a:t>
-            </a:r>
-            <a:r>
-              <a:rPr lang="en-US" altLang="zh-CN" sz="4400" dirty="0" smtClean="0">
-                <a:solidFill>
-                  <a:srgbClr val="376092"/>
-                </a:solidFill>
-                <a:latin typeface="Garamond" panose="02020404030301010803" pitchFamily="18" charset="0"/>
-                <a:ea typeface="宋体" panose="02010600030101010101" pitchFamily="2" charset="-122"/>
-              </a:rPr>
-              <a:t> Homework</a:t>
+              <a:t> and Homework</a:t>
             </a:r>
             <a:endParaRPr lang="en-US" altLang="en-US" sz="4400" dirty="0">
               <a:solidFill>
@@ -9515,14 +9505,14 @@
           <a:effectLst/>
           <a:extLst>
             <a:ext uri="{909E8E84-426E-40dd-AFC4-6F175D3DCCD1}">
-              <a14:hiddenFill xmlns="" xmlns:a14="http://schemas.microsoft.com/office/drawing/2010/main">
+              <a14:hiddenFill xmlns:a14="http://schemas.microsoft.com/office/drawing/2010/main" xmlns="">
                 <a:solidFill>
                   <a:schemeClr val="accent1"/>
                 </a:solidFill>
               </a14:hiddenFill>
             </a:ext>
             <a:ext uri="{91240B29-F687-4f45-9708-019B960494DF}">
-              <a14:hiddenLine xmlns="" xmlns:a14="http://schemas.microsoft.com/office/drawing/2010/main" w="9525">
+              <a14:hiddenLine xmlns:a14="http://schemas.microsoft.com/office/drawing/2010/main" xmlns="" w="9525">
                 <a:solidFill>
                   <a:schemeClr val="tx1"/>
                 </a:solidFill>
@@ -9532,7 +9522,7 @@
               </a14:hiddenLine>
             </a:ext>
             <a:ext uri="{AF507438-7753-43e0-B8FC-AC1667EBCBE1}">
-              <a14:hiddenEffects xmlns="" xmlns:a14="http://schemas.microsoft.com/office/drawing/2010/main">
+              <a14:hiddenEffects xmlns:a14="http://schemas.microsoft.com/office/drawing/2010/main" xmlns="">
                 <a:effectLst>
                   <a:outerShdw dist="35921" dir="2700000" algn="ctr" rotWithShape="0">
                     <a:schemeClr val="bg2"/>
@@ -9742,14 +9732,14 @@
           <a:effectLst/>
           <a:extLst>
             <a:ext uri="{909E8E84-426E-40dd-AFC4-6F175D3DCCD1}">
-              <a14:hiddenFill xmlns="" xmlns:a14="http://schemas.microsoft.com/office/drawing/2010/main">
+              <a14:hiddenFill xmlns:a14="http://schemas.microsoft.com/office/drawing/2010/main" xmlns="">
                 <a:solidFill>
                   <a:schemeClr val="accent1"/>
                 </a:solidFill>
               </a14:hiddenFill>
             </a:ext>
             <a:ext uri="{91240B29-F687-4f45-9708-019B960494DF}">
-              <a14:hiddenLine xmlns="" xmlns:a14="http://schemas.microsoft.com/office/drawing/2010/main" w="9525">
+              <a14:hiddenLine xmlns:a14="http://schemas.microsoft.com/office/drawing/2010/main" xmlns="" w="9525">
                 <a:solidFill>
                   <a:schemeClr val="tx1"/>
                 </a:solidFill>
@@ -9759,7 +9749,7 @@
               </a14:hiddenLine>
             </a:ext>
             <a:ext uri="{AF507438-7753-43e0-B8FC-AC1667EBCBE1}">
-              <a14:hiddenEffects xmlns="" xmlns:a14="http://schemas.microsoft.com/office/drawing/2010/main">
+              <a14:hiddenEffects xmlns:a14="http://schemas.microsoft.com/office/drawing/2010/main" xmlns="">
                 <a:effectLst>
                   <a:outerShdw dist="35921" dir="2700000" algn="ctr" rotWithShape="0">
                     <a:schemeClr val="bg2"/>
@@ -10862,11 +10852,11 @@
           <a:p>
             <a:r>
               <a:rPr lang="en-US" dirty="0" smtClean="0"/>
-              <a:t>Which is </a:t>
-            </a:r>
-            <a:r>
-              <a:rPr lang="en-US" smtClean="0"/>
-              <a:t>True Statement for </a:t>
+              <a:t>Which is True </a:t>
+            </a:r>
+            <a:r>
+              <a:rPr lang="en-US" dirty="0" smtClean="0"/>
+              <a:t>for </a:t>
             </a:r>
             <a:r>
               <a:rPr lang="en-US" dirty="0" err="1" smtClean="0"/>
@@ -11006,11 +10996,11 @@
           <a:p>
             <a:r>
               <a:rPr lang="en-US" dirty="0" smtClean="0"/>
-              <a:t>Which is </a:t>
-            </a:r>
-            <a:r>
-              <a:rPr lang="en-US" smtClean="0"/>
-              <a:t>True Statement for </a:t>
+              <a:t>Which is True </a:t>
+            </a:r>
+            <a:r>
+              <a:rPr lang="en-US" dirty="0" smtClean="0"/>
+              <a:t>for </a:t>
             </a:r>
             <a:r>
               <a:rPr lang="en-US" dirty="0" err="1" smtClean="0"/>
@@ -11295,8 +11285,16 @@
           <a:lstStyle/>
           <a:p>
             <a:r>
-              <a:rPr lang="en-US" smtClean="0"/>
-              <a:t>Simpler Interface for Machine Learning</a:t>
+              <a:rPr lang="en-US" dirty="0" err="1" smtClean="0"/>
+              <a:t>Keras</a:t>
+            </a:r>
+            <a:r>
+              <a:rPr lang="en-US" dirty="0"/>
+              <a:t> </a:t>
+            </a:r>
+            <a:r>
+              <a:rPr lang="en-US" dirty="0" smtClean="0"/>
+              <a:t>Design</a:t>
             </a:r>
             <a:endParaRPr lang="en-US" dirty="0"/>
           </a:p>
@@ -11837,7 +11835,11 @@
             </a:r>
             <a:r>
               <a:rPr lang="en-US" dirty="0" smtClean="0"/>
-              <a:t> Code</a:t>
+              <a:t> </a:t>
+            </a:r>
+            <a:r>
+              <a:rPr lang="en-US" dirty="0" smtClean="0"/>
+              <a:t>Example</a:t>
             </a:r>
             <a:endParaRPr lang="en-US" dirty="0"/>
           </a:p>
@@ -11954,6 +11956,17 @@
               <a:t>tf.add</a:t>
             </a:r>
             <a:r>
+              <a:rPr lang="en-US" dirty="0" smtClean="0">
+                <a:solidFill>
+                  <a:schemeClr val="tx1">
+                    <a:lumMod val="50000"/>
+                    <a:lumOff val="50000"/>
+                  </a:schemeClr>
+                </a:solidFill>
+              </a:rPr>
+              <a:t>([2,1], [1,2])</a:t>
+            </a:r>
+            <a:r>
               <a:rPr lang="en-US" dirty="0">
                 <a:solidFill>
                   <a:schemeClr val="tx1">
@@ -11962,7 +11975,7 @@
                   </a:schemeClr>
                 </a:solidFill>
               </a:rPr>
-              <a:t>(3, 5)</a:t>
+              <a:t/>
             </a:r>
             <a:br>
               <a:rPr lang="en-US" dirty="0">
@@ -12053,14 +12066,14 @@
           </a:ln>
           <a:extLst>
             <a:ext uri="{909E8E84-426E-40dd-AFC4-6F175D3DCCD1}">
-              <a14:hiddenFill xmlns="" xmlns:a14="http://schemas.microsoft.com/office/drawing/2010/main">
+              <a14:hiddenFill xmlns:a14="http://schemas.microsoft.com/office/drawing/2010/main" xmlns="">
                 <a:solidFill>
                   <a:srgbClr val="FFFFFF"/>
                 </a:solidFill>
               </a14:hiddenFill>
             </a:ext>
             <a:ext uri="{91240B29-F687-4f45-9708-019B960494DF}">
-              <a14:hiddenLine xmlns="" xmlns:a14="http://schemas.microsoft.com/office/drawing/2010/main" w="9525">
+              <a14:hiddenLine xmlns:a14="http://schemas.microsoft.com/office/drawing/2010/main" xmlns="" w="9525">
                 <a:solidFill>
                   <a:srgbClr val="000000"/>
                 </a:solidFill>
@@ -12309,7 +12322,11 @@
             </a:r>
             <a:r>
               <a:rPr lang="en-US" dirty="0" smtClean="0"/>
-              <a:t> Code</a:t>
+              <a:t> </a:t>
+            </a:r>
+            <a:r>
+              <a:rPr lang="en-US" dirty="0"/>
+              <a:t>Example</a:t>
             </a:r>
             <a:endParaRPr lang="en-US" dirty="0"/>
           </a:p>
@@ -12536,14 +12553,14 @@
           </a:ln>
           <a:extLst>
             <a:ext uri="{909E8E84-426E-40dd-AFC4-6F175D3DCCD1}">
-              <a14:hiddenFill xmlns="" xmlns:a14="http://schemas.microsoft.com/office/drawing/2010/main">
+              <a14:hiddenFill xmlns:a14="http://schemas.microsoft.com/office/drawing/2010/main" xmlns="">
                 <a:solidFill>
                   <a:srgbClr val="FFFFFF"/>
                 </a:solidFill>
               </a14:hiddenFill>
             </a:ext>
             <a:ext uri="{91240B29-F687-4f45-9708-019B960494DF}">
-              <a14:hiddenLine xmlns="" xmlns:a14="http://schemas.microsoft.com/office/drawing/2010/main" w="9525">
+              <a14:hiddenLine xmlns:a14="http://schemas.microsoft.com/office/drawing/2010/main" xmlns="" w="9525">
                 <a:solidFill>
                   <a:srgbClr val="000000"/>
                 </a:solidFill>
@@ -12759,14 +12776,14 @@
           </a:ln>
           <a:extLst>
             <a:ext uri="{909E8E84-426E-40dd-AFC4-6F175D3DCCD1}">
-              <a14:hiddenFill xmlns="" xmlns:a14="http://schemas.microsoft.com/office/drawing/2010/main">
+              <a14:hiddenFill xmlns:a14="http://schemas.microsoft.com/office/drawing/2010/main" xmlns="">
                 <a:solidFill>
                   <a:srgbClr val="FFFFFF"/>
                 </a:solidFill>
               </a14:hiddenFill>
             </a:ext>
             <a:ext uri="{91240B29-F687-4f45-9708-019B960494DF}">
-              <a14:hiddenLine xmlns="" xmlns:a14="http://schemas.microsoft.com/office/drawing/2010/main" w="9525">
+              <a14:hiddenLine xmlns:a14="http://schemas.microsoft.com/office/drawing/2010/main" xmlns="" w="9525">
                 <a:solidFill>
                   <a:srgbClr val="000000"/>
                 </a:solidFill>
@@ -13055,7 +13072,11 @@
             </a:r>
             <a:r>
               <a:rPr lang="en-US" dirty="0" smtClean="0"/>
-              <a:t> Code</a:t>
+              <a:t> </a:t>
+            </a:r>
+            <a:r>
+              <a:rPr lang="en-US" dirty="0"/>
+              <a:t>Example</a:t>
             </a:r>
             <a:endParaRPr lang="en-US" dirty="0"/>
           </a:p>
@@ -13282,14 +13303,14 @@
           </a:ln>
           <a:extLst>
             <a:ext uri="{909E8E84-426E-40dd-AFC4-6F175D3DCCD1}">
-              <a14:hiddenFill xmlns="" xmlns:a14="http://schemas.microsoft.com/office/drawing/2010/main">
+              <a14:hiddenFill xmlns:a14="http://schemas.microsoft.com/office/drawing/2010/main" xmlns="">
                 <a:solidFill>
                   <a:srgbClr val="FFFFFF"/>
                 </a:solidFill>
               </a14:hiddenFill>
             </a:ext>
             <a:ext uri="{91240B29-F687-4f45-9708-019B960494DF}">
-              <a14:hiddenLine xmlns="" xmlns:a14="http://schemas.microsoft.com/office/drawing/2010/main" w="9525">
+              <a14:hiddenLine xmlns:a14="http://schemas.microsoft.com/office/drawing/2010/main" xmlns="" w="9525">
                 <a:solidFill>
                   <a:srgbClr val="000000"/>
                 </a:solidFill>
@@ -13752,7 +13773,11 @@
             </a:r>
             <a:r>
               <a:rPr lang="en-US" dirty="0" smtClean="0"/>
-              <a:t> Code</a:t>
+              <a:t> </a:t>
+            </a:r>
+            <a:r>
+              <a:rPr lang="en-US" dirty="0"/>
+              <a:t>Example</a:t>
             </a:r>
             <a:endParaRPr lang="en-US" dirty="0"/>
           </a:p>
@@ -14088,14 +14113,14 @@
           </a:ln>
           <a:extLst>
             <a:ext uri="{909E8E84-426E-40dd-AFC4-6F175D3DCCD1}">
-              <a14:hiddenFill xmlns="" xmlns:a14="http://schemas.microsoft.com/office/drawing/2010/main">
+              <a14:hiddenFill xmlns:a14="http://schemas.microsoft.com/office/drawing/2010/main" xmlns="">
                 <a:solidFill>
                   <a:srgbClr val="FFFFFF"/>
                 </a:solidFill>
               </a14:hiddenFill>
             </a:ext>
             <a:ext uri="{91240B29-F687-4f45-9708-019B960494DF}">
-              <a14:hiddenLine xmlns="" xmlns:a14="http://schemas.microsoft.com/office/drawing/2010/main" w="9525">
+              <a14:hiddenLine xmlns:a14="http://schemas.microsoft.com/office/drawing/2010/main" xmlns="" w="9525">
                 <a:solidFill>
                   <a:srgbClr val="000000"/>
                 </a:solidFill>
@@ -15114,18 +15139,7 @@
                   </a:schemeClr>
                 </a:solidFill>
               </a:rPr>
-              <a:t>x </a:t>
-            </a:r>
-            <a:r>
-              <a:rPr lang="en-US" dirty="0">
-                <a:solidFill>
-                  <a:schemeClr val="tx1">
-                    <a:lumMod val="50000"/>
-                    <a:lumOff val="50000"/>
-                  </a:schemeClr>
-                </a:solidFill>
-              </a:rPr>
-              <a:t>= </a:t>
+              <a:t>x = </a:t>
             </a:r>
             <a:r>
               <a:rPr lang="en-US" dirty="0" err="1">
@@ -15189,7 +15203,18 @@
                   </a:schemeClr>
                 </a:solidFill>
               </a:rPr>
-              <a:t>g </a:t>
+              <a:t>g = </a:t>
+            </a:r>
+            <a:r>
+              <a:rPr lang="en-US" dirty="0" err="1">
+                <a:solidFill>
+                  <a:schemeClr val="tx1">
+                    <a:lumMod val="50000"/>
+                    <a:lumOff val="50000"/>
+                  </a:schemeClr>
+                </a:solidFill>
+              </a:rPr>
+              <a:t>tf.gradients</a:t>
             </a:r>
             <a:r>
               <a:rPr lang="en-US" dirty="0">
@@ -15200,38 +15225,8 @@
                   </a:schemeClr>
                 </a:solidFill>
               </a:rPr>
-              <a:t>= </a:t>
-            </a:r>
-            <a:r>
-              <a:rPr lang="en-US" dirty="0" err="1">
-                <a:solidFill>
-                  <a:schemeClr val="tx1">
-                    <a:lumMod val="50000"/>
-                    <a:lumOff val="50000"/>
-                  </a:schemeClr>
-                </a:solidFill>
-              </a:rPr>
-              <a:t>tf.gradients</a:t>
-            </a:r>
-            <a:r>
-              <a:rPr lang="en-US" dirty="0">
-                <a:solidFill>
-                  <a:schemeClr val="tx1">
-                    <a:lumMod val="50000"/>
-                    <a:lumOff val="50000"/>
-                  </a:schemeClr>
-                </a:solidFill>
-              </a:rPr>
               <a:t>(x + y, [x, y])</a:t>
             </a:r>
-            <a:endParaRPr lang="en-US" dirty="0">
-              <a:solidFill>
-                <a:schemeClr val="tx1">
-                  <a:lumMod val="50000"/>
-                  <a:lumOff val="50000"/>
-                </a:schemeClr>
-              </a:solidFill>
-            </a:endParaRPr>
           </a:p>
           <a:p>
             <a:pPr marL="0" indent="0">
@@ -15396,14 +15391,14 @@
           </a:ln>
           <a:extLst>
             <a:ext uri="{909E8E84-426E-40dd-AFC4-6F175D3DCCD1}">
-              <a14:hiddenFill xmlns="" xmlns:a14="http://schemas.microsoft.com/office/drawing/2010/main">
+              <a14:hiddenFill xmlns:a14="http://schemas.microsoft.com/office/drawing/2010/main" xmlns="">
                 <a:solidFill>
                   <a:srgbClr val="FFFFFF"/>
                 </a:solidFill>
               </a14:hiddenFill>
             </a:ext>
             <a:ext uri="{91240B29-F687-4f45-9708-019B960494DF}">
-              <a14:hiddenLine xmlns="" xmlns:a14="http://schemas.microsoft.com/office/drawing/2010/main" w="9525">
+              <a14:hiddenLine xmlns:a14="http://schemas.microsoft.com/office/drawing/2010/main" xmlns="" w="9525">
                 <a:solidFill>
                   <a:srgbClr val="000000"/>
                 </a:solidFill>
@@ -15887,18 +15882,7 @@
                   </a:schemeClr>
                 </a:solidFill>
               </a:rPr>
-              <a:t>w </a:t>
-            </a:r>
-            <a:r>
-              <a:rPr lang="en-US" sz="1800" dirty="0">
-                <a:solidFill>
-                  <a:schemeClr val="tx1">
-                    <a:lumMod val="50000"/>
-                    <a:lumOff val="50000"/>
-                  </a:schemeClr>
-                </a:solidFill>
-              </a:rPr>
-              <a:t>= </a:t>
+              <a:t>w = </a:t>
             </a:r>
             <a:r>
               <a:rPr lang="en-US" sz="1800" dirty="0" err="1">
@@ -16050,18 +16034,7 @@
                   </a:schemeClr>
                 </a:solidFill>
               </a:rPr>
-              <a:t> </a:t>
-            </a:r>
-            <a:r>
-              <a:rPr lang="en-US" sz="1800" dirty="0">
-                <a:solidFill>
-                  <a:schemeClr val="tx1">
-                    <a:lumMod val="50000"/>
-                    <a:lumOff val="50000"/>
-                  </a:schemeClr>
-                </a:solidFill>
-              </a:rPr>
-              <a:t>= w * X + b </a:t>
+              <a:t> = w * X + b </a:t>
             </a:r>
           </a:p>
           <a:p>
@@ -16077,18 +16050,7 @@
                   </a:schemeClr>
                 </a:solidFill>
               </a:rPr>
-              <a:t>loss </a:t>
-            </a:r>
-            <a:r>
-              <a:rPr lang="en-US" sz="1800" dirty="0">
-                <a:solidFill>
-                  <a:schemeClr val="tx1">
-                    <a:lumMod val="50000"/>
-                    <a:lumOff val="50000"/>
-                  </a:schemeClr>
-                </a:solidFill>
-              </a:rPr>
-              <a:t>= </a:t>
+              <a:t>loss = </a:t>
             </a:r>
             <a:r>
               <a:rPr lang="en-US" sz="1800" dirty="0" err="1">
@@ -16148,18 +16110,7 @@
                   </a:schemeClr>
                 </a:solidFill>
               </a:rPr>
-              <a:t>optimizer </a:t>
-            </a:r>
-            <a:r>
-              <a:rPr lang="en-US" sz="1800" dirty="0">
-                <a:solidFill>
-                  <a:schemeClr val="tx1">
-                    <a:lumMod val="50000"/>
-                    <a:lumOff val="50000"/>
-                  </a:schemeClr>
-                </a:solidFill>
-              </a:rPr>
-              <a:t>= </a:t>
+              <a:t>optimizer = </a:t>
             </a:r>
             <a:r>
               <a:rPr lang="en-US" sz="1800" dirty="0" err="1">
@@ -16339,18 +16290,7 @@
                   </a:schemeClr>
                 </a:solidFill>
               </a:rPr>
-              <a:t> </a:t>
-            </a:r>
-            <a:r>
-              <a:rPr lang="en-US" sz="1800" dirty="0">
-                <a:solidFill>
-                  <a:schemeClr val="tx1">
-                    <a:lumMod val="50000"/>
-                    <a:lumOff val="50000"/>
-                  </a:schemeClr>
-                </a:solidFill>
-              </a:rPr>
-              <a:t>        for </a:t>
+              <a:t>         for </a:t>
             </a:r>
             <a:r>
               <a:rPr lang="en-US" sz="1800" dirty="0" err="1">
@@ -16388,18 +16328,7 @@
                   </a:schemeClr>
                 </a:solidFill>
               </a:rPr>
-              <a:t>	for </a:t>
-            </a:r>
-            <a:r>
-              <a:rPr lang="en-US" sz="1800" dirty="0">
-                <a:solidFill>
-                  <a:schemeClr val="tx1">
-                    <a:lumMod val="50000"/>
-                    <a:lumOff val="50000"/>
-                  </a:schemeClr>
-                </a:solidFill>
-              </a:rPr>
-              <a:t>x, y in data:</a:t>
+              <a:t>	for x, y in data:</a:t>
             </a:r>
           </a:p>
           <a:p>
@@ -16437,18 +16366,7 @@
                   </a:schemeClr>
                 </a:solidFill>
               </a:rPr>
-              <a:t>(optimizer</a:t>
-            </a:r>
-            <a:r>
-              <a:rPr lang="en-US" sz="1800" dirty="0">
-                <a:solidFill>
-                  <a:schemeClr val="tx1">
-                    <a:lumMod val="50000"/>
-                    <a:lumOff val="50000"/>
-                  </a:schemeClr>
-                </a:solidFill>
-              </a:rPr>
-              <a:t>, </a:t>
+              <a:t>(optimizer, </a:t>
             </a:r>
             <a:r>
               <a:rPr lang="en-US" sz="1800" dirty="0" err="1">
@@ -16807,18 +16725,7 @@
                   </a:schemeClr>
                 </a:solidFill>
               </a:rPr>
-              <a:t> </a:t>
-            </a:r>
-            <a:r>
-              <a:rPr lang="en-US" sz="1800" dirty="0">
-                <a:solidFill>
-                  <a:schemeClr val="tx1">
-                    <a:lumMod val="50000"/>
-                    <a:lumOff val="50000"/>
-                  </a:schemeClr>
-                </a:solidFill>
-              </a:rPr>
-              <a:t>import Sequential </a:t>
+              <a:t> import Sequential </a:t>
             </a:r>
             <a:br>
               <a:rPr lang="en-US" sz="1800" dirty="0">
@@ -16850,18 +16757,7 @@
                   </a:schemeClr>
                 </a:solidFill>
               </a:rPr>
-              <a:t>tensorflow.python.</a:t>
-            </a:r>
-            <a:r>
-              <a:rPr lang="en-US" sz="1800" dirty="0" err="1">
-                <a:solidFill>
-                  <a:schemeClr val="tx1">
-                    <a:lumMod val="50000"/>
-                    <a:lumOff val="50000"/>
-                  </a:schemeClr>
-                </a:solidFill>
-              </a:rPr>
-              <a:t>keras.layers</a:t>
+              <a:t>tensorflow.python.keras.layers</a:t>
             </a:r>
             <a:r>
               <a:rPr lang="en-US" sz="1800" dirty="0">
@@ -16872,18 +16768,7 @@
                   </a:schemeClr>
                 </a:solidFill>
               </a:rPr>
-              <a:t> </a:t>
-            </a:r>
-            <a:r>
-              <a:rPr lang="en-US" sz="1800" dirty="0">
-                <a:solidFill>
-                  <a:schemeClr val="tx1">
-                    <a:lumMod val="50000"/>
-                    <a:lumOff val="50000"/>
-                  </a:schemeClr>
-                </a:solidFill>
-              </a:rPr>
-              <a:t>import Dense, Activation </a:t>
+              <a:t> import Dense, Activation </a:t>
             </a:r>
             <a:br>
               <a:rPr lang="en-US" sz="1800" dirty="0">
@@ -16917,18 +16802,7 @@
                   </a:schemeClr>
                 </a:solidFill>
               </a:rPr>
-              <a:t>model </a:t>
-            </a:r>
-            <a:r>
-              <a:rPr lang="en-US" sz="1800" dirty="0">
-                <a:solidFill>
-                  <a:schemeClr val="tx1">
-                    <a:lumMod val="50000"/>
-                    <a:lumOff val="50000"/>
-                  </a:schemeClr>
-                </a:solidFill>
-              </a:rPr>
-              <a:t>= Sequential() </a:t>
+              <a:t>model = Sequential() </a:t>
             </a:r>
             <a:br>
               <a:rPr lang="en-US" sz="1800" dirty="0">
@@ -16982,18 +16856,7 @@
                   </a:schemeClr>
                 </a:solidFill>
               </a:rPr>
-              <a:t>=100, </a:t>
-            </a:r>
-            <a:r>
-              <a:rPr lang="en-US" sz="1800" dirty="0">
-                <a:solidFill>
-                  <a:schemeClr val="tx1">
-                    <a:lumMod val="50000"/>
-                    <a:lumOff val="50000"/>
-                  </a:schemeClr>
-                </a:solidFill>
-              </a:rPr>
-              <a:t>activation='</a:t>
+              <a:t>=100, activation='</a:t>
             </a:r>
             <a:r>
               <a:rPr lang="en-US" sz="1800" dirty="0" err="1">
@@ -17047,18 +16910,7 @@
                   </a:schemeClr>
                 </a:solidFill>
               </a:rPr>
-              <a:t>(optimizer</a:t>
-            </a:r>
-            <a:r>
-              <a:rPr lang="en-US" sz="1800" dirty="0">
-                <a:solidFill>
-                  <a:schemeClr val="tx1">
-                    <a:lumMod val="50000"/>
-                    <a:lumOff val="50000"/>
-                  </a:schemeClr>
-                </a:solidFill>
-              </a:rPr>
-              <a:t>='</a:t>
+              <a:t>(optimizer='</a:t>
             </a:r>
             <a:r>
               <a:rPr lang="en-US" sz="1800" dirty="0" err="1">
@@ -17189,18 +17041,7 @@
                   </a:schemeClr>
                 </a:solidFill>
               </a:rPr>
-              <a:t>, </a:t>
-            </a:r>
-            <a:r>
-              <a:rPr lang="en-US" sz="1800" dirty="0">
-                <a:solidFill>
-                  <a:schemeClr val="tx1">
-                    <a:lumMod val="50000"/>
-                    <a:lumOff val="50000"/>
-                  </a:schemeClr>
-                </a:solidFill>
-              </a:rPr>
-              <a:t>128, </a:t>
+              <a:t>, 128, </a:t>
             </a:r>
             <a:r>
               <a:rPr lang="en-US" sz="1800" dirty="0" err="1">
@@ -17630,18 +17471,7 @@
                   </a:schemeClr>
                 </a:solidFill>
               </a:rPr>
-              <a:t> </a:t>
-            </a:r>
-            <a:r>
-              <a:rPr lang="en-US" sz="1800" dirty="0">
-                <a:solidFill>
-                  <a:schemeClr val="tx1">
-                    <a:lumMod val="50000"/>
-                    <a:lumOff val="50000"/>
-                  </a:schemeClr>
-                </a:solidFill>
-              </a:rPr>
-              <a:t>import Sequential </a:t>
+              <a:t> import Sequential </a:t>
             </a:r>
             <a:br>
               <a:rPr lang="en-US" sz="1800" dirty="0">
@@ -17673,18 +17503,7 @@
                   </a:schemeClr>
                 </a:solidFill>
               </a:rPr>
-              <a:t>tensorflow.python.</a:t>
-            </a:r>
-            <a:r>
-              <a:rPr lang="en-US" sz="1800" dirty="0" err="1">
-                <a:solidFill>
-                  <a:schemeClr val="tx1">
-                    <a:lumMod val="50000"/>
-                    <a:lumOff val="50000"/>
-                  </a:schemeClr>
-                </a:solidFill>
-              </a:rPr>
-              <a:t>keras.layers</a:t>
+              <a:t>tensorflow.python.keras.layers</a:t>
             </a:r>
             <a:r>
               <a:rPr lang="en-US" sz="1800" dirty="0">
@@ -17695,18 +17514,7 @@
                   </a:schemeClr>
                 </a:solidFill>
               </a:rPr>
-              <a:t> </a:t>
-            </a:r>
-            <a:r>
-              <a:rPr lang="en-US" sz="1800" dirty="0">
-                <a:solidFill>
-                  <a:schemeClr val="tx1">
-                    <a:lumMod val="50000"/>
-                    <a:lumOff val="50000"/>
-                  </a:schemeClr>
-                </a:solidFill>
-              </a:rPr>
-              <a:t>import Dense, Activation </a:t>
+              <a:t> import Dense, Activation </a:t>
             </a:r>
             <a:br>
               <a:rPr lang="en-US" sz="1800" dirty="0">
@@ -17740,18 +17548,7 @@
                   </a:schemeClr>
                 </a:solidFill>
               </a:rPr>
-              <a:t>model </a:t>
-            </a:r>
-            <a:r>
-              <a:rPr lang="en-US" sz="1800" dirty="0">
-                <a:solidFill>
-                  <a:schemeClr val="tx1">
-                    <a:lumMod val="50000"/>
-                    <a:lumOff val="50000"/>
-                  </a:schemeClr>
-                </a:solidFill>
-              </a:rPr>
-              <a:t>= Sequential() </a:t>
+              <a:t>model = Sequential() </a:t>
             </a:r>
             <a:br>
               <a:rPr lang="en-US" sz="1800" dirty="0">
@@ -17805,18 +17602,7 @@
                   </a:schemeClr>
                 </a:solidFill>
               </a:rPr>
-              <a:t>=100, </a:t>
-            </a:r>
-            <a:r>
-              <a:rPr lang="en-US" sz="1800" dirty="0">
-                <a:solidFill>
-                  <a:schemeClr val="tx1">
-                    <a:lumMod val="50000"/>
-                    <a:lumOff val="50000"/>
-                  </a:schemeClr>
-                </a:solidFill>
-              </a:rPr>
-              <a:t>activation='</a:t>
+              <a:t>=100, activation='</a:t>
             </a:r>
             <a:r>
               <a:rPr lang="en-US" sz="1800" dirty="0" err="1">
@@ -17870,18 +17656,7 @@
                   </a:schemeClr>
                 </a:solidFill>
               </a:rPr>
-              <a:t>(optimizer</a:t>
-            </a:r>
-            <a:r>
-              <a:rPr lang="en-US" sz="1800" dirty="0">
-                <a:solidFill>
-                  <a:schemeClr val="tx1">
-                    <a:lumMod val="50000"/>
-                    <a:lumOff val="50000"/>
-                  </a:schemeClr>
-                </a:solidFill>
-              </a:rPr>
-              <a:t>='</a:t>
+              <a:t>(optimizer='</a:t>
             </a:r>
             <a:r>
               <a:rPr lang="en-US" sz="1800" dirty="0" err="1">
@@ -18012,18 +17787,7 @@
                   </a:schemeClr>
                 </a:solidFill>
               </a:rPr>
-              <a:t>, </a:t>
-            </a:r>
-            <a:r>
-              <a:rPr lang="en-US" sz="1800" dirty="0">
-                <a:solidFill>
-                  <a:schemeClr val="tx1">
-                    <a:lumMod val="50000"/>
-                    <a:lumOff val="50000"/>
-                  </a:schemeClr>
-                </a:solidFill>
-              </a:rPr>
-              <a:t>128, </a:t>
+              <a:t>, 128, </a:t>
             </a:r>
             <a:r>
               <a:rPr lang="en-US" sz="1800" dirty="0" err="1">
@@ -18423,7 +18187,15 @@
           <a:p>
             <a:r>
               <a:rPr lang="en-US" dirty="0" smtClean="0"/>
-              <a:t>Work for homework #1</a:t>
+              <a:t>Work </a:t>
+            </a:r>
+            <a:r>
+              <a:rPr lang="en-US" dirty="0" smtClean="0"/>
+              <a:t>on homework </a:t>
+            </a:r>
+            <a:r>
+              <a:rPr lang="en-US" dirty="0" smtClean="0"/>
+              <a:t>#1</a:t>
             </a:r>
           </a:p>
           <a:p>
@@ -18510,14 +18282,14 @@
           <a:effectLst/>
           <a:extLst>
             <a:ext uri="{909E8E84-426E-40dd-AFC4-6F175D3DCCD1}">
-              <a14:hiddenFill xmlns="" xmlns:a14="http://schemas.microsoft.com/office/drawing/2010/main">
+              <a14:hiddenFill xmlns:a14="http://schemas.microsoft.com/office/drawing/2010/main" xmlns="">
                 <a:solidFill>
                   <a:schemeClr val="accent1"/>
                 </a:solidFill>
               </a14:hiddenFill>
             </a:ext>
             <a:ext uri="{91240B29-F687-4f45-9708-019B960494DF}">
-              <a14:hiddenLine xmlns="" xmlns:a14="http://schemas.microsoft.com/office/drawing/2010/main" w="9525" algn="ctr">
+              <a14:hiddenLine xmlns:a14="http://schemas.microsoft.com/office/drawing/2010/main" xmlns="" w="9525" algn="ctr">
                 <a:solidFill>
                   <a:schemeClr val="tx1"/>
                 </a:solidFill>
@@ -18527,7 +18299,7 @@
               </a14:hiddenLine>
             </a:ext>
             <a:ext uri="{AF507438-7753-43e0-B8FC-AC1667EBCBE1}">
-              <a14:hiddenEffects xmlns="" xmlns:a14="http://schemas.microsoft.com/office/drawing/2010/main">
+              <a14:hiddenEffects xmlns:a14="http://schemas.microsoft.com/office/drawing/2010/main" xmlns="">
                 <a:effectLst>
                   <a:outerShdw dist="35921" dir="2700000" algn="ctr" rotWithShape="0">
                     <a:schemeClr val="bg2"/>
@@ -18830,14 +18602,14 @@
           </a:ln>
           <a:extLst>
             <a:ext uri="{909E8E84-426E-40dd-AFC4-6F175D3DCCD1}">
-              <a14:hiddenFill xmlns="" xmlns:a14="http://schemas.microsoft.com/office/drawing/2010/main">
+              <a14:hiddenFill xmlns:a14="http://schemas.microsoft.com/office/drawing/2010/main" xmlns="">
                 <a:solidFill>
                   <a:srgbClr val="FFFFFF"/>
                 </a:solidFill>
               </a14:hiddenFill>
             </a:ext>
             <a:ext uri="{91240B29-F687-4f45-9708-019B960494DF}">
-              <a14:hiddenLine xmlns="" xmlns:a14="http://schemas.microsoft.com/office/drawing/2010/main" w="9525">
+              <a14:hiddenLine xmlns:a14="http://schemas.microsoft.com/office/drawing/2010/main" xmlns="" w="9525">
                 <a:solidFill>
                   <a:srgbClr val="000000"/>
                 </a:solidFill>
@@ -19023,7 +18795,6 @@
               <a:rPr lang="en-US" i="0" dirty="0" smtClean="0"/>
               <a:t>???</a:t>
             </a:r>
-            <a:endParaRPr lang="en-US" i="0" dirty="0" smtClean="0"/>
           </a:p>
           <a:p>
             <a:pPr marL="0" indent="0">
@@ -19832,11 +19603,7 @@
           <a:p>
             <a:r>
               <a:rPr lang="en-US" dirty="0" smtClean="0"/>
-              <a:t>Why </a:t>
-            </a:r>
-            <a:r>
-              <a:rPr lang="en-US" dirty="0" smtClean="0"/>
-              <a:t>Python?</a:t>
+              <a:t>Why Python?</a:t>
             </a:r>
             <a:endParaRPr lang="en-US" dirty="0"/>
           </a:p>
@@ -19897,17 +19664,8 @@
           <a:p>
             <a:r>
               <a:rPr lang="en-US" dirty="0" smtClean="0"/>
-              <a:t>THE </a:t>
-            </a:r>
-            <a:r>
-              <a:rPr lang="en-US" dirty="0" smtClean="0"/>
-              <a:t>choice for scientific computing and cloud </a:t>
-            </a:r>
-            <a:r>
-              <a:rPr lang="en-US" dirty="0" smtClean="0"/>
-              <a:t>service</a:t>
-            </a:r>
-            <a:endParaRPr lang="en-US" dirty="0" smtClean="0"/>
+              <a:t>THE choice for scientific computing and cloud service</a:t>
+            </a:r>
           </a:p>
           <a:p>
             <a:endParaRPr lang="en-US" dirty="0"/>
@@ -19923,11 +19681,7 @@
             </a:r>
             <a:r>
               <a:rPr lang="en-US" dirty="0" smtClean="0"/>
-              <a:t>python,</a:t>
-            </a:r>
-            <a:r>
-              <a:rPr lang="en-US" dirty="0" smtClean="0"/>
-              <a:t> please consider </a:t>
+              <a:t>python, please consider </a:t>
             </a:r>
             <a:r>
               <a:rPr lang="en-US" dirty="0"/>

--- a/lecture/lecture1_llcao.pptx
+++ b/lecture/lecture1_llcao.pptx
@@ -8097,6 +8097,13 @@
       <p:transition spd="slow"/>
     </mc:Fallback>
   </mc:AlternateContent>
+  <p:timing>
+    <p:tnLst>
+      <p:par>
+        <p:cTn id="1" dur="indefinite" restart="never" nodeType="tmRoot"/>
+      </p:par>
+    </p:tnLst>
+  </p:timing>
 </p:sld>
 </file>
 
@@ -8447,6 +8454,13 @@
           </a:p>
           <a:p>
             <a:r>
+              <a:rPr lang="en-US" altLang="zh-CN" dirty="0" smtClean="0"/>
+              <a:t>Other choices:</a:t>
+            </a:r>
+          </a:p>
+          <a:p>
+            <a:pPr lvl="1"/>
+            <a:r>
               <a:rPr lang="en-US" altLang="zh-CN" dirty="0" err="1" smtClean="0"/>
               <a:t>Py</a:t>
             </a:r>
@@ -8456,30 +8470,19 @@
             </a:r>
             <a:r>
               <a:rPr lang="en-US" dirty="0" smtClean="0"/>
-              <a:t> (popular in speech. </a:t>
+              <a:t> (</a:t>
             </a:r>
             <a:r>
               <a:rPr lang="en-US" altLang="zh-CN" dirty="0" smtClean="0"/>
-              <a:t>By</a:t>
+              <a:t>Good</a:t>
             </a:r>
             <a:r>
               <a:rPr lang="zh-CN" altLang="en-US" dirty="0" smtClean="0"/>
               <a:t> </a:t>
             </a:r>
             <a:r>
-              <a:rPr lang="en-US" dirty="0" smtClean="0"/>
-              <a:t>Facebook FAIR</a:t>
-            </a:r>
-            <a:r>
               <a:rPr lang="en-US" altLang="zh-CN" dirty="0" smtClean="0"/>
-              <a:t>)</a:t>
-            </a:r>
-          </a:p>
-          <a:p>
-            <a:pPr lvl="1"/>
-            <a:r>
-              <a:rPr lang="en-US" altLang="zh-CN" dirty="0" smtClean="0"/>
-              <a:t>Good</a:t>
+              <a:t>for</a:t>
             </a:r>
             <a:r>
               <a:rPr lang="zh-CN" altLang="en-US" dirty="0" smtClean="0"/>
@@ -8487,67 +8490,23 @@
             </a:r>
             <a:r>
               <a:rPr lang="en-US" altLang="zh-CN" dirty="0" smtClean="0"/>
-              <a:t>for</a:t>
-            </a:r>
-            <a:r>
-              <a:rPr lang="zh-CN" altLang="en-US" dirty="0" smtClean="0"/>
+              <a:t>sequential research</a:t>
+            </a:r>
+            <a:r>
+              <a:rPr lang="en-US" altLang="zh-CN" dirty="0"/>
+              <a:t>)</a:t>
+            </a:r>
+            <a:endParaRPr lang="en-US" altLang="zh-CN" dirty="0" smtClean="0"/>
+          </a:p>
+          <a:p>
+            <a:pPr lvl="1"/>
+            <a:r>
+              <a:rPr lang="en-US" altLang="zh-CN" dirty="0" err="1" smtClean="0"/>
+              <a:t>MxNet</a:t>
+            </a:r>
+            <a:r>
+              <a:rPr lang="en-US" altLang="zh-CN" dirty="0" smtClean="0"/>
               <a:t> </a:t>
-            </a:r>
-            <a:r>
-              <a:rPr lang="en-US" altLang="zh-CN" dirty="0" smtClean="0"/>
-              <a:t>research</a:t>
-            </a:r>
-            <a:r>
-              <a:rPr lang="zh-CN" altLang="en-US" dirty="0" smtClean="0"/>
-              <a:t> </a:t>
-            </a:r>
-            <a:endParaRPr lang="en-US" altLang="zh-CN" dirty="0" smtClean="0"/>
-          </a:p>
-          <a:p>
-            <a:pPr lvl="1"/>
-            <a:r>
-              <a:rPr lang="en-US" altLang="zh-CN" dirty="0" smtClean="0"/>
-              <a:t>Potential</a:t>
-            </a:r>
-            <a:r>
-              <a:rPr lang="zh-CN" altLang="en-US" dirty="0" smtClean="0"/>
-              <a:t> </a:t>
-            </a:r>
-            <a:r>
-              <a:rPr lang="en-US" altLang="zh-CN" dirty="0" smtClean="0"/>
-              <a:t>support</a:t>
-            </a:r>
-            <a:r>
-              <a:rPr lang="zh-CN" altLang="en-US" dirty="0" smtClean="0"/>
-              <a:t> </a:t>
-            </a:r>
-            <a:r>
-              <a:rPr lang="en-US" altLang="zh-CN" dirty="0" smtClean="0"/>
-              <a:t>from</a:t>
-            </a:r>
-            <a:r>
-              <a:rPr lang="zh-CN" altLang="en-US" dirty="0" smtClean="0"/>
-              <a:t> </a:t>
-            </a:r>
-            <a:r>
-              <a:rPr lang="en-US" altLang="zh-CN" dirty="0" smtClean="0"/>
-              <a:t>Caffe2:</a:t>
-            </a:r>
-            <a:r>
-              <a:rPr lang="zh-CN" altLang="en-US" dirty="0" smtClean="0"/>
-              <a:t> </a:t>
-            </a:r>
-            <a:r>
-              <a:rPr lang="en-US" altLang="zh-CN" dirty="0" smtClean="0"/>
-              <a:t>object</a:t>
-            </a:r>
-            <a:r>
-              <a:rPr lang="zh-CN" altLang="en-US" dirty="0" smtClean="0"/>
-              <a:t> </a:t>
-            </a:r>
-            <a:r>
-              <a:rPr lang="en-US" altLang="zh-CN" dirty="0" smtClean="0"/>
-              <a:t>detection</a:t>
             </a:r>
             <a:endParaRPr lang="en-US" dirty="0" smtClean="0"/>
           </a:p>
@@ -8587,6 +8546,13 @@
   <p:clrMapOvr>
     <a:masterClrMapping/>
   </p:clrMapOvr>
+  <p:timing>
+    <p:tnLst>
+      <p:par>
+        <p:cTn id="1" dur="indefinite" restart="never" nodeType="tmRoot"/>
+      </p:par>
+    </p:tnLst>
+  </p:timing>
 </p:sld>
 </file>
 
@@ -8890,37 +8856,7 @@
               <a:rPr lang="en-US" dirty="0" smtClean="0">
                 <a:hlinkClick r:id="rId2"/>
               </a:rPr>
-              <a:t>AlphaGo </a:t>
-            </a:r>
-            <a:r>
-              <a:rPr lang="en-US" dirty="0" smtClean="0">
-                <a:hlinkClick r:id="rId3"/>
-              </a:rPr>
-              <a:t>Zero</a:t>
-            </a:r>
-            <a:r>
-              <a:rPr lang="zh-CN" altLang="en-US" dirty="0" smtClean="0">
-                <a:hlinkClick r:id="rId3"/>
-              </a:rPr>
-              <a:t> </a:t>
-            </a:r>
-            <a:r>
-              <a:rPr lang="en-US" altLang="zh-CN" dirty="0" smtClean="0">
-                <a:hlinkClick r:id="rId3"/>
-              </a:rPr>
-              <a:t>by</a:t>
-            </a:r>
-            <a:r>
-              <a:rPr lang="zh-CN" altLang="en-US" dirty="0" smtClean="0">
-                <a:hlinkClick r:id="rId3"/>
-              </a:rPr>
-              <a:t> </a:t>
-            </a:r>
-            <a:r>
-              <a:rPr lang="en-US" altLang="zh-CN" dirty="0" smtClean="0">
-                <a:hlinkClick r:id="rId3"/>
-              </a:rPr>
-              <a:t>David Silver</a:t>
+              <a:t>AlphaGo Zero by David Silver</a:t>
             </a:r>
             <a:endParaRPr lang="en-US" dirty="0" smtClean="0">
               <a:hlinkClick r:id="rId3"/>
@@ -9717,7 +9653,7 @@
               <a:t> </a:t>
             </a:r>
             <a:r>
-              <a:rPr lang="en-US" altLang="en-US" sz="2800" smtClean="0"/>
+              <a:rPr lang="en-US" altLang="en-US" sz="2800" dirty="0" smtClean="0"/>
               <a:t>Programming basics</a:t>
             </a:r>
             <a:endParaRPr lang="en-US" altLang="en-US" sz="2800" dirty="0"/>
@@ -11302,6 +11238,13 @@
   <p:clrMapOvr>
     <a:masterClrMapping/>
   </p:clrMapOvr>
+  <p:timing>
+    <p:tnLst>
+      <p:par>
+        <p:cTn id="1" dur="indefinite" restart="never" nodeType="tmRoot"/>
+      </p:par>
+    </p:tnLst>
+  </p:timing>
 </p:sld>
 </file>
 
@@ -11464,6 +11407,13 @@
   <p:clrMapOvr>
     <a:masterClrMapping/>
   </p:clrMapOvr>
+  <p:timing>
+    <p:tnLst>
+      <p:par>
+        <p:cTn id="1" dur="indefinite" restart="never" nodeType="tmRoot"/>
+      </p:par>
+    </p:tnLst>
+  </p:timing>
 </p:sld>
 </file>
 
@@ -11588,6 +11538,13 @@
   <p:clrMapOvr>
     <a:masterClrMapping/>
   </p:clrMapOvr>
+  <p:timing>
+    <p:tnLst>
+      <p:par>
+        <p:cTn id="1" dur="indefinite" restart="never" nodeType="tmRoot"/>
+      </p:par>
+    </p:tnLst>
+  </p:timing>
 </p:sld>
 </file>
 
@@ -12134,6 +12091,13 @@
   <p:clrMapOvr>
     <a:masterClrMapping/>
   </p:clrMapOvr>
+  <p:timing>
+    <p:tnLst>
+      <p:par>
+        <p:cTn id="1" dur="indefinite" restart="never" nodeType="tmRoot"/>
+      </p:par>
+    </p:tnLst>
+  </p:timing>
 </p:sld>
 </file>
 
@@ -12617,6 +12581,13 @@
   <p:clrMapOvr>
     <a:masterClrMapping/>
   </p:clrMapOvr>
+  <p:timing>
+    <p:tnLst>
+      <p:par>
+        <p:cTn id="1" dur="indefinite" restart="never" nodeType="tmRoot"/>
+      </p:par>
+    </p:tnLst>
+  </p:timing>
 </p:sld>
 </file>
 
@@ -13328,7 +13299,11 @@
             </a:r>
             <a:r>
               <a:rPr lang="en-US" i="0" dirty="0" smtClean="0"/>
-              <a:t>=(2, 1), </a:t>
+              <a:t>=(2</a:t>
+            </a:r>
+            <a:r>
+              <a:rPr lang="en-US" i="0" dirty="0" smtClean="0"/>
+              <a:t>, 1), </a:t>
             </a:r>
             <a:r>
               <a:rPr lang="en-US" i="0" dirty="0" err="1"/>
@@ -13366,6 +13341,13 @@
   <p:clrMapOvr>
     <a:masterClrMapping/>
   </p:clrMapOvr>
+  <p:timing>
+    <p:tnLst>
+      <p:par>
+        <p:cTn id="1" dur="indefinite" restart="never" nodeType="tmRoot"/>
+      </p:par>
+    </p:tnLst>
+  </p:timing>
 </p:sld>
 </file>
 
@@ -14066,6 +14048,13 @@
   <p:clrMapOvr>
     <a:masterClrMapping/>
   </p:clrMapOvr>
+  <p:timing>
+    <p:tnLst>
+      <p:par>
+        <p:cTn id="1" dur="indefinite" restart="never" nodeType="tmRoot"/>
+      </p:par>
+    </p:tnLst>
+  </p:timing>
 </p:sld>
 </file>
 
@@ -14669,6 +14658,13 @@
   <p:clrMapOvr>
     <a:masterClrMapping/>
   </p:clrMapOvr>
+  <p:timing>
+    <p:tnLst>
+      <p:par>
+        <p:cTn id="1" dur="indefinite" restart="never" nodeType="tmRoot"/>
+      </p:par>
+    </p:tnLst>
+  </p:timing>
 </p:sld>
 </file>
 
@@ -14776,8 +14772,12 @@
           </a:p>
           <a:p>
             <a:r>
+              <a:rPr lang="en-US" b="1" dirty="0" smtClean="0"/>
+              <a:t>Please drop early </a:t>
+            </a:r>
+            <a:r>
               <a:rPr lang="en-US" dirty="0" smtClean="0"/>
-              <a:t>Please drop early if you cannot finish HW#1 or do not follow</a:t>
+              <a:t>if you cannot follow or finish HW#1</a:t>
             </a:r>
             <a:endParaRPr lang="en-US" dirty="0" smtClean="0"/>
           </a:p>
@@ -15107,6 +15107,13 @@
   <p:clrMapOvr>
     <a:masterClrMapping/>
   </p:clrMapOvr>
+  <p:timing>
+    <p:tnLst>
+      <p:par>
+        <p:cTn id="1" dur="indefinite" restart="never" nodeType="tmRoot"/>
+      </p:par>
+    </p:tnLst>
+  </p:timing>
 </p:sld>
 </file>
 
@@ -15284,6 +15291,13 @@
   <p:clrMapOvr>
     <a:masterClrMapping/>
   </p:clrMapOvr>
+  <p:timing>
+    <p:tnLst>
+      <p:par>
+        <p:cTn id="1" dur="indefinite" restart="never" nodeType="tmRoot"/>
+      </p:par>
+    </p:tnLst>
+  </p:timing>
 </p:sld>
 </file>
 
@@ -15931,6 +15945,13 @@
   <p:clrMapOvr>
     <a:masterClrMapping/>
   </p:clrMapOvr>
+  <p:timing>
+    <p:tnLst>
+      <p:par>
+        <p:cTn id="1" dur="indefinite" restart="never" nodeType="tmRoot"/>
+      </p:par>
+    </p:tnLst>
+  </p:timing>
 </p:sld>
 </file>
 
@@ -16021,101 +16042,38 @@
               <a:buNone/>
             </a:pPr>
             <a:r>
-              <a:rPr lang="en-US" sz="1800" dirty="0">
-                <a:solidFill>
-                  <a:schemeClr val="tx1">
-                    <a:lumMod val="50000"/>
-                    <a:lumOff val="50000"/>
-                  </a:schemeClr>
-                </a:solidFill>
-              </a:rPr>
+              <a:rPr lang="en-US" sz="1800" dirty="0"/>
               <a:t>import </a:t>
             </a:r>
             <a:r>
-              <a:rPr lang="en-US" sz="1800" dirty="0" err="1">
-                <a:solidFill>
-                  <a:schemeClr val="tx1">
-                    <a:lumMod val="50000"/>
-                    <a:lumOff val="50000"/>
-                  </a:schemeClr>
-                </a:solidFill>
-              </a:rPr>
+              <a:rPr lang="en-US" sz="1800" dirty="0" err="1"/>
               <a:t>tensorflow</a:t>
             </a:r>
             <a:r>
-              <a:rPr lang="en-US" sz="1800" dirty="0">
-                <a:solidFill>
-                  <a:schemeClr val="tx1">
-                    <a:lumMod val="50000"/>
-                    <a:lumOff val="50000"/>
-                  </a:schemeClr>
-                </a:solidFill>
-              </a:rPr>
+              <a:rPr lang="en-US" sz="1800" dirty="0"/>
               <a:t> as </a:t>
             </a:r>
             <a:r>
-              <a:rPr lang="en-US" sz="1800" dirty="0" err="1">
-                <a:solidFill>
-                  <a:schemeClr val="tx1">
-                    <a:lumMod val="50000"/>
-                    <a:lumOff val="50000"/>
-                  </a:schemeClr>
-                </a:solidFill>
-              </a:rPr>
+              <a:rPr lang="en-US" sz="1800" dirty="0" err="1"/>
               <a:t>tf</a:t>
             </a:r>
             <a:r>
-              <a:rPr lang="en-US" sz="1800" dirty="0">
-                <a:solidFill>
-                  <a:schemeClr val="tx1">
-                    <a:lumMod val="50000"/>
-                    <a:lumOff val="50000"/>
-                  </a:schemeClr>
-                </a:solidFill>
-              </a:rPr>
+              <a:rPr lang="en-US" sz="1800" dirty="0"/>
               <a:t/>
             </a:r>
             <a:br>
-              <a:rPr lang="en-US" sz="1800" dirty="0">
-                <a:solidFill>
-                  <a:schemeClr val="tx1">
-                    <a:lumMod val="50000"/>
-                    <a:lumOff val="50000"/>
-                  </a:schemeClr>
-                </a:solidFill>
-              </a:rPr>
+              <a:rPr lang="en-US" sz="1800" dirty="0"/>
             </a:br>
             <a:r>
-              <a:rPr lang="en-US" sz="1800" dirty="0">
-                <a:solidFill>
-                  <a:schemeClr val="tx1">
-                    <a:lumMod val="50000"/>
-                    <a:lumOff val="50000"/>
-                  </a:schemeClr>
-                </a:solidFill>
-              </a:rPr>
+              <a:rPr lang="en-US" sz="1800" dirty="0"/>
               <a:t>X = </a:t>
             </a:r>
             <a:r>
-              <a:rPr lang="en-US" sz="1800" dirty="0" err="1">
-                <a:solidFill>
-                  <a:schemeClr val="tx1">
-                    <a:lumMod val="50000"/>
-                    <a:lumOff val="50000"/>
-                  </a:schemeClr>
-                </a:solidFill>
-              </a:rPr>
+              <a:rPr lang="en-US" sz="1800" dirty="0" err="1"/>
               <a:t>tf.placeholder</a:t>
             </a:r>
             <a:r>
-              <a:rPr lang="en-US" sz="1800" dirty="0">
-                <a:solidFill>
-                  <a:schemeClr val="tx1">
-                    <a:lumMod val="50000"/>
-                    <a:lumOff val="50000"/>
-                  </a:schemeClr>
-                </a:solidFill>
-              </a:rPr>
+              <a:rPr lang="en-US" sz="1800" dirty="0"/>
               <a:t>(tf.float32, name='X')</a:t>
             </a:r>
           </a:p>
@@ -16124,36 +16082,15 @@
               <a:buNone/>
             </a:pPr>
             <a:r>
-              <a:rPr lang="en-US" sz="1800" dirty="0">
-                <a:solidFill>
-                  <a:schemeClr val="tx1">
-                    <a:lumMod val="50000"/>
-                    <a:lumOff val="50000"/>
-                  </a:schemeClr>
-                </a:solidFill>
-              </a:rPr>
+              <a:rPr lang="en-US" sz="1800" dirty="0"/>
               <a:t>Y = </a:t>
             </a:r>
             <a:r>
-              <a:rPr lang="en-US" sz="1800" dirty="0" err="1">
-                <a:solidFill>
-                  <a:schemeClr val="tx1">
-                    <a:lumMod val="50000"/>
-                    <a:lumOff val="50000"/>
-                  </a:schemeClr>
-                </a:solidFill>
-              </a:rPr>
+              <a:rPr lang="en-US" sz="1800" dirty="0" err="1"/>
               <a:t>tf.placeholder</a:t>
             </a:r>
             <a:r>
-              <a:rPr lang="en-US" sz="1800" dirty="0">
-                <a:solidFill>
-                  <a:schemeClr val="tx1">
-                    <a:lumMod val="50000"/>
-                    <a:lumOff val="50000"/>
-                  </a:schemeClr>
-                </a:solidFill>
-              </a:rPr>
+              <a:rPr lang="en-US" sz="1800" dirty="0"/>
               <a:t>(tf.float32, name='Y')</a:t>
             </a:r>
           </a:p>
@@ -16162,79 +16099,30 @@
               <a:buNone/>
             </a:pPr>
             <a:r>
-              <a:rPr lang="en-US" sz="1800" dirty="0">
-                <a:solidFill>
-                  <a:schemeClr val="tx1">
-                    <a:lumMod val="50000"/>
-                    <a:lumOff val="50000"/>
-                  </a:schemeClr>
-                </a:solidFill>
-              </a:rPr>
+              <a:rPr lang="en-US" sz="1800" dirty="0"/>
               <a:t/>
             </a:r>
             <a:br>
-              <a:rPr lang="en-US" sz="1800" dirty="0">
-                <a:solidFill>
-                  <a:schemeClr val="tx1">
-                    <a:lumMod val="50000"/>
-                    <a:lumOff val="50000"/>
-                  </a:schemeClr>
-                </a:solidFill>
-              </a:rPr>
+              <a:rPr lang="en-US" sz="1800" dirty="0"/>
             </a:br>
             <a:r>
-              <a:rPr lang="en-US" sz="1800" dirty="0">
-                <a:solidFill>
-                  <a:schemeClr val="tx1">
-                    <a:lumMod val="50000"/>
-                    <a:lumOff val="50000"/>
-                  </a:schemeClr>
-                </a:solidFill>
-              </a:rPr>
+              <a:rPr lang="en-US" sz="1800" dirty="0"/>
               <a:t>w = </a:t>
             </a:r>
             <a:r>
-              <a:rPr lang="en-US" sz="1800" dirty="0" err="1">
-                <a:solidFill>
-                  <a:schemeClr val="tx1">
-                    <a:lumMod val="50000"/>
-                    <a:lumOff val="50000"/>
-                  </a:schemeClr>
-                </a:solidFill>
-              </a:rPr>
+              <a:rPr lang="en-US" sz="1800" dirty="0" err="1"/>
               <a:t>tf.get_variable</a:t>
             </a:r>
             <a:r>
-              <a:rPr lang="en-US" sz="1800" dirty="0">
-                <a:solidFill>
-                  <a:schemeClr val="tx1">
-                    <a:lumMod val="50000"/>
-                    <a:lumOff val="50000"/>
-                  </a:schemeClr>
-                </a:solidFill>
-              </a:rPr>
+              <a:rPr lang="en-US" sz="1800" dirty="0"/>
               <a:t>('weights', initializer=</a:t>
             </a:r>
             <a:r>
-              <a:rPr lang="en-US" sz="1800" dirty="0" err="1">
-                <a:solidFill>
-                  <a:schemeClr val="tx1">
-                    <a:lumMod val="50000"/>
-                    <a:lumOff val="50000"/>
-                  </a:schemeClr>
-                </a:solidFill>
-              </a:rPr>
+              <a:rPr lang="en-US" sz="1800" dirty="0" err="1"/>
               <a:t>tf.constant</a:t>
             </a:r>
             <a:r>
-              <a:rPr lang="en-US" sz="1800" dirty="0">
-                <a:solidFill>
-                  <a:schemeClr val="tx1">
-                    <a:lumMod val="50000"/>
-                    <a:lumOff val="50000"/>
-                  </a:schemeClr>
-                </a:solidFill>
-              </a:rPr>
+              <a:rPr lang="en-US" sz="1800" dirty="0"/>
               <a:t>(0.0))</a:t>
             </a:r>
           </a:p>
@@ -16243,58 +16131,23 @@
               <a:buNone/>
             </a:pPr>
             <a:r>
-              <a:rPr lang="en-US" sz="1800" dirty="0">
-                <a:solidFill>
-                  <a:schemeClr val="tx1">
-                    <a:lumMod val="50000"/>
-                    <a:lumOff val="50000"/>
-                  </a:schemeClr>
-                </a:solidFill>
-              </a:rPr>
+              <a:rPr lang="en-US" sz="1800" dirty="0"/>
               <a:t>b = </a:t>
             </a:r>
             <a:r>
-              <a:rPr lang="en-US" sz="1800" dirty="0" err="1">
-                <a:solidFill>
-                  <a:schemeClr val="tx1">
-                    <a:lumMod val="50000"/>
-                    <a:lumOff val="50000"/>
-                  </a:schemeClr>
-                </a:solidFill>
-              </a:rPr>
+              <a:rPr lang="en-US" sz="1800" dirty="0" err="1"/>
               <a:t>tf.get_variable</a:t>
             </a:r>
             <a:r>
-              <a:rPr lang="en-US" sz="1800" dirty="0">
-                <a:solidFill>
-                  <a:schemeClr val="tx1">
-                    <a:lumMod val="50000"/>
-                    <a:lumOff val="50000"/>
-                  </a:schemeClr>
-                </a:solidFill>
-              </a:rPr>
+              <a:rPr lang="en-US" sz="1800" dirty="0"/>
               <a:t>('bias', initializer=</a:t>
             </a:r>
             <a:r>
-              <a:rPr lang="en-US" sz="1800" dirty="0" err="1">
-                <a:solidFill>
-                  <a:schemeClr val="tx1">
-                    <a:lumMod val="50000"/>
-                    <a:lumOff val="50000"/>
-                  </a:schemeClr>
-                </a:solidFill>
-              </a:rPr>
+              <a:rPr lang="en-US" sz="1800" dirty="0" err="1"/>
               <a:t>tf.constant</a:t>
             </a:r>
             <a:r>
-              <a:rPr lang="en-US" sz="1800" dirty="0">
-                <a:solidFill>
-                  <a:schemeClr val="tx1">
-                    <a:lumMod val="50000"/>
-                    <a:lumOff val="50000"/>
-                  </a:schemeClr>
-                </a:solidFill>
-              </a:rPr>
+              <a:rPr lang="en-US" sz="1800" dirty="0"/>
               <a:t>(0.0))</a:t>
             </a:r>
           </a:p>
@@ -16303,46 +16156,18 @@
               <a:buNone/>
             </a:pPr>
             <a:r>
-              <a:rPr lang="en-US" sz="1800" dirty="0">
-                <a:solidFill>
-                  <a:schemeClr val="tx1">
-                    <a:lumMod val="50000"/>
-                    <a:lumOff val="50000"/>
-                  </a:schemeClr>
-                </a:solidFill>
-              </a:rPr>
+              <a:rPr lang="en-US" sz="1800" dirty="0"/>
               <a:t/>
             </a:r>
             <a:br>
-              <a:rPr lang="en-US" sz="1800" dirty="0">
-                <a:solidFill>
-                  <a:schemeClr val="tx1">
-                    <a:lumMod val="50000"/>
-                    <a:lumOff val="50000"/>
-                  </a:schemeClr>
-                </a:solidFill>
-              </a:rPr>
+              <a:rPr lang="en-US" sz="1800" dirty="0"/>
             </a:br>
             <a:r>
-              <a:rPr lang="en-US" sz="1800" dirty="0" err="1">
-                <a:solidFill>
-                  <a:schemeClr val="tx1">
-                    <a:lumMod val="50000"/>
-                    <a:lumOff val="50000"/>
-                  </a:schemeClr>
-                </a:solidFill>
-              </a:rPr>
+              <a:rPr lang="en-US" sz="1800" dirty="0" err="1"/>
               <a:t>Y_predicted</a:t>
             </a:r>
             <a:r>
-              <a:rPr lang="en-US" sz="1800" dirty="0">
-                <a:solidFill>
-                  <a:schemeClr val="tx1">
-                    <a:lumMod val="50000"/>
-                    <a:lumOff val="50000"/>
-                  </a:schemeClr>
-                </a:solidFill>
-              </a:rPr>
+              <a:rPr lang="en-US" sz="1800" dirty="0"/>
               <a:t> = w * X + b </a:t>
             </a:r>
           </a:p>
@@ -16351,58 +16176,23 @@
               <a:buNone/>
             </a:pPr>
             <a:r>
-              <a:rPr lang="en-US" sz="1800" dirty="0">
-                <a:solidFill>
-                  <a:schemeClr val="tx1">
-                    <a:lumMod val="50000"/>
-                    <a:lumOff val="50000"/>
-                  </a:schemeClr>
-                </a:solidFill>
-              </a:rPr>
+              <a:rPr lang="en-US" sz="1800" dirty="0"/>
               <a:t>loss = </a:t>
             </a:r>
             <a:r>
-              <a:rPr lang="en-US" sz="1800" dirty="0" err="1">
-                <a:solidFill>
-                  <a:schemeClr val="tx1">
-                    <a:lumMod val="50000"/>
-                    <a:lumOff val="50000"/>
-                  </a:schemeClr>
-                </a:solidFill>
-              </a:rPr>
+              <a:rPr lang="en-US" sz="1800" dirty="0" err="1"/>
               <a:t>tf.square</a:t>
             </a:r>
             <a:r>
-              <a:rPr lang="en-US" sz="1800" dirty="0">
-                <a:solidFill>
-                  <a:schemeClr val="tx1">
-                    <a:lumMod val="50000"/>
-                    <a:lumOff val="50000"/>
-                  </a:schemeClr>
-                </a:solidFill>
-              </a:rPr>
+              <a:rPr lang="en-US" sz="1800" dirty="0"/>
               <a:t>(Y - </a:t>
             </a:r>
             <a:r>
-              <a:rPr lang="en-US" sz="1800" dirty="0" err="1">
-                <a:solidFill>
-                  <a:schemeClr val="tx1">
-                    <a:lumMod val="50000"/>
-                    <a:lumOff val="50000"/>
-                  </a:schemeClr>
-                </a:solidFill>
-              </a:rPr>
+              <a:rPr lang="en-US" sz="1800" dirty="0" err="1"/>
               <a:t>Y_predicted</a:t>
             </a:r>
             <a:r>
-              <a:rPr lang="en-US" sz="1800" dirty="0">
-                <a:solidFill>
-                  <a:schemeClr val="tx1">
-                    <a:lumMod val="50000"/>
-                    <a:lumOff val="50000"/>
-                  </a:schemeClr>
-                </a:solidFill>
-              </a:rPr>
+              <a:rPr lang="en-US" sz="1800" dirty="0"/>
               <a:t>, name='loss')</a:t>
             </a:r>
           </a:p>
@@ -16411,58 +16201,23 @@
               <a:buNone/>
             </a:pPr>
             <a:r>
-              <a:rPr lang="en-US" sz="1800" dirty="0">
-                <a:solidFill>
-                  <a:schemeClr val="tx1">
-                    <a:lumMod val="50000"/>
-                    <a:lumOff val="50000"/>
-                  </a:schemeClr>
-                </a:solidFill>
-              </a:rPr>
+              <a:rPr lang="en-US" sz="1800" dirty="0"/>
               <a:t>optimizer = </a:t>
             </a:r>
             <a:r>
-              <a:rPr lang="en-US" sz="1800" dirty="0" err="1">
-                <a:solidFill>
-                  <a:schemeClr val="tx1">
-                    <a:lumMod val="50000"/>
-                    <a:lumOff val="50000"/>
-                  </a:schemeClr>
-                </a:solidFill>
-              </a:rPr>
+              <a:rPr lang="en-US" sz="1800" dirty="0" err="1"/>
               <a:t>tf.train.GradientDescentOptimizer</a:t>
             </a:r>
             <a:r>
-              <a:rPr lang="en-US" sz="1800" dirty="0">
-                <a:solidFill>
-                  <a:schemeClr val="tx1">
-                    <a:lumMod val="50000"/>
-                    <a:lumOff val="50000"/>
-                  </a:schemeClr>
-                </a:solidFill>
-              </a:rPr>
+              <a:rPr lang="en-US" sz="1800" dirty="0"/>
               <a:t>(</a:t>
             </a:r>
             <a:r>
-              <a:rPr lang="en-US" sz="1800" dirty="0" err="1">
-                <a:solidFill>
-                  <a:schemeClr val="tx1">
-                    <a:lumMod val="50000"/>
-                    <a:lumOff val="50000"/>
-                  </a:schemeClr>
-                </a:solidFill>
-              </a:rPr>
+              <a:rPr lang="en-US" sz="1800" dirty="0" err="1"/>
               <a:t>learning_rate</a:t>
             </a:r>
             <a:r>
-              <a:rPr lang="en-US" sz="1800" dirty="0">
-                <a:solidFill>
-                  <a:schemeClr val="tx1">
-                    <a:lumMod val="50000"/>
-                    <a:lumOff val="50000"/>
-                  </a:schemeClr>
-                </a:solidFill>
-              </a:rPr>
+              <a:rPr lang="en-US" sz="1800" dirty="0"/>
               <a:t>=0.001).minimize(loss)</a:t>
             </a:r>
           </a:p>
@@ -16471,58 +16226,23 @@
               <a:buNone/>
             </a:pPr>
             <a:r>
-              <a:rPr lang="en-US" sz="1800" dirty="0">
-                <a:solidFill>
-                  <a:schemeClr val="tx1">
-                    <a:lumMod val="50000"/>
-                    <a:lumOff val="50000"/>
-                  </a:schemeClr>
-                </a:solidFill>
-              </a:rPr>
+              <a:rPr lang="en-US" sz="1800" dirty="0"/>
               <a:t>with </a:t>
             </a:r>
             <a:r>
-              <a:rPr lang="en-US" sz="1800" dirty="0" err="1">
-                <a:solidFill>
-                  <a:schemeClr val="tx1">
-                    <a:lumMod val="50000"/>
-                    <a:lumOff val="50000"/>
-                  </a:schemeClr>
-                </a:solidFill>
-              </a:rPr>
+              <a:rPr lang="en-US" sz="1800" dirty="0" err="1"/>
               <a:t>tf.Session</a:t>
             </a:r>
             <a:r>
-              <a:rPr lang="en-US" sz="1800" dirty="0">
-                <a:solidFill>
-                  <a:schemeClr val="tx1">
-                    <a:lumMod val="50000"/>
-                    <a:lumOff val="50000"/>
-                  </a:schemeClr>
-                </a:solidFill>
-              </a:rPr>
+              <a:rPr lang="en-US" sz="1800" dirty="0"/>
               <a:t>() as </a:t>
             </a:r>
             <a:r>
-              <a:rPr lang="en-US" sz="1800" dirty="0" err="1">
-                <a:solidFill>
-                  <a:schemeClr val="tx1">
-                    <a:lumMod val="50000"/>
-                    <a:lumOff val="50000"/>
-                  </a:schemeClr>
-                </a:solidFill>
-              </a:rPr>
+              <a:rPr lang="en-US" sz="1800" dirty="0" err="1"/>
               <a:t>sess</a:t>
             </a:r>
             <a:r>
-              <a:rPr lang="en-US" sz="1800" dirty="0">
-                <a:solidFill>
-                  <a:schemeClr val="tx1">
-                    <a:lumMod val="50000"/>
-                    <a:lumOff val="50000"/>
-                  </a:schemeClr>
-                </a:solidFill>
-              </a:rPr>
+              <a:rPr lang="en-US" sz="1800" dirty="0"/>
               <a:t>:</a:t>
             </a:r>
           </a:p>
@@ -16531,58 +16251,23 @@
               <a:buNone/>
             </a:pPr>
             <a:r>
-              <a:rPr lang="en-US" sz="1800" dirty="0">
-                <a:solidFill>
-                  <a:schemeClr val="tx1">
-                    <a:lumMod val="50000"/>
-                    <a:lumOff val="50000"/>
-                  </a:schemeClr>
-                </a:solidFill>
-              </a:rPr>
+              <a:rPr lang="en-US" sz="1800" dirty="0"/>
               <a:t>         </a:t>
             </a:r>
             <a:r>
-              <a:rPr lang="en-US" sz="1800" dirty="0" err="1">
-                <a:solidFill>
-                  <a:schemeClr val="tx1">
-                    <a:lumMod val="50000"/>
-                    <a:lumOff val="50000"/>
-                  </a:schemeClr>
-                </a:solidFill>
-              </a:rPr>
+              <a:rPr lang="en-US" sz="1800" dirty="0" err="1"/>
               <a:t>sess.run</a:t>
             </a:r>
             <a:r>
-              <a:rPr lang="en-US" sz="1800" dirty="0">
-                <a:solidFill>
-                  <a:schemeClr val="tx1">
-                    <a:lumMod val="50000"/>
-                    <a:lumOff val="50000"/>
-                  </a:schemeClr>
-                </a:solidFill>
-              </a:rPr>
+              <a:rPr lang="en-US" sz="1800" dirty="0"/>
               <a:t>(</a:t>
             </a:r>
             <a:r>
-              <a:rPr lang="en-US" sz="1800" dirty="0" err="1">
-                <a:solidFill>
-                  <a:schemeClr val="tx1">
-                    <a:lumMod val="50000"/>
-                    <a:lumOff val="50000"/>
-                  </a:schemeClr>
-                </a:solidFill>
-              </a:rPr>
+              <a:rPr lang="en-US" sz="1800" dirty="0" err="1"/>
               <a:t>tf.global_variables_initializer</a:t>
             </a:r>
             <a:r>
-              <a:rPr lang="en-US" sz="1800" dirty="0">
-                <a:solidFill>
-                  <a:schemeClr val="tx1">
-                    <a:lumMod val="50000"/>
-                    <a:lumOff val="50000"/>
-                  </a:schemeClr>
-                </a:solidFill>
-              </a:rPr>
+              <a:rPr lang="en-US" sz="1800" dirty="0"/>
               <a:t>()) </a:t>
             </a:r>
           </a:p>
@@ -16591,36 +16276,15 @@
               <a:buNone/>
             </a:pPr>
             <a:r>
-              <a:rPr lang="en-US" sz="1800" dirty="0">
-                <a:solidFill>
-                  <a:schemeClr val="tx1">
-                    <a:lumMod val="50000"/>
-                    <a:lumOff val="50000"/>
-                  </a:schemeClr>
-                </a:solidFill>
-              </a:rPr>
+              <a:rPr lang="en-US" sz="1800" dirty="0"/>
               <a:t>         for </a:t>
             </a:r>
             <a:r>
-              <a:rPr lang="en-US" sz="1800" dirty="0" err="1">
-                <a:solidFill>
-                  <a:schemeClr val="tx1">
-                    <a:lumMod val="50000"/>
-                    <a:lumOff val="50000"/>
-                  </a:schemeClr>
-                </a:solidFill>
-              </a:rPr>
+              <a:rPr lang="en-US" sz="1800" dirty="0" err="1"/>
               <a:t>i</a:t>
             </a:r>
             <a:r>
-              <a:rPr lang="en-US" sz="1800" dirty="0">
-                <a:solidFill>
-                  <a:schemeClr val="tx1">
-                    <a:lumMod val="50000"/>
-                    <a:lumOff val="50000"/>
-                  </a:schemeClr>
-                </a:solidFill>
-              </a:rPr>
+              <a:rPr lang="en-US" sz="1800" dirty="0"/>
               <a:t> in range(100): # run 100 epochs</a:t>
             </a:r>
           </a:p>
@@ -16629,14 +16293,7 @@
               <a:buNone/>
             </a:pPr>
             <a:r>
-              <a:rPr lang="en-US" sz="1800" dirty="0">
-                <a:solidFill>
-                  <a:schemeClr val="tx1">
-                    <a:lumMod val="50000"/>
-                    <a:lumOff val="50000"/>
-                  </a:schemeClr>
-                </a:solidFill>
-              </a:rPr>
+              <a:rPr lang="en-US" sz="1800" dirty="0"/>
               <a:t>	for x, y in data:</a:t>
             </a:r>
           </a:p>
@@ -16645,80 +16302,31 @@
               <a:buNone/>
             </a:pPr>
             <a:r>
-              <a:rPr lang="en-US" sz="1800" dirty="0">
-                <a:solidFill>
-                  <a:schemeClr val="tx1">
-                    <a:lumMod val="50000"/>
-                    <a:lumOff val="50000"/>
-                  </a:schemeClr>
-                </a:solidFill>
-              </a:rPr>
+              <a:rPr lang="en-US" sz="1800" dirty="0"/>
               <a:t>	       </a:t>
             </a:r>
             <a:r>
-              <a:rPr lang="en-US" sz="1800" dirty="0" err="1">
-                <a:solidFill>
-                  <a:schemeClr val="tx1">
-                    <a:lumMod val="50000"/>
-                    <a:lumOff val="50000"/>
-                  </a:schemeClr>
-                </a:solidFill>
-              </a:rPr>
+              <a:rPr lang="en-US" sz="1800" dirty="0" err="1"/>
               <a:t>sess.run</a:t>
             </a:r>
             <a:r>
-              <a:rPr lang="en-US" sz="1800" dirty="0">
-                <a:solidFill>
-                  <a:schemeClr val="tx1">
-                    <a:lumMod val="50000"/>
-                    <a:lumOff val="50000"/>
-                  </a:schemeClr>
-                </a:solidFill>
-              </a:rPr>
+              <a:rPr lang="en-US" sz="1800" dirty="0"/>
               <a:t>(optimizer, </a:t>
             </a:r>
             <a:r>
-              <a:rPr lang="en-US" sz="1800" dirty="0" err="1">
-                <a:solidFill>
-                  <a:schemeClr val="tx1">
-                    <a:lumMod val="50000"/>
-                    <a:lumOff val="50000"/>
-                  </a:schemeClr>
-                </a:solidFill>
-              </a:rPr>
+              <a:rPr lang="en-US" sz="1800" dirty="0" err="1"/>
               <a:t>feed_dict</a:t>
             </a:r>
             <a:r>
-              <a:rPr lang="en-US" sz="1800" dirty="0">
-                <a:solidFill>
-                  <a:schemeClr val="tx1">
-                    <a:lumMod val="50000"/>
-                    <a:lumOff val="50000"/>
-                  </a:schemeClr>
-                </a:solidFill>
-              </a:rPr>
+              <a:rPr lang="en-US" sz="1800" dirty="0"/>
               <a:t>={X: x, </a:t>
             </a:r>
             <a:r>
-              <a:rPr lang="en-US" sz="1800" dirty="0" err="1">
-                <a:solidFill>
-                  <a:schemeClr val="tx1">
-                    <a:lumMod val="50000"/>
-                    <a:lumOff val="50000"/>
-                  </a:schemeClr>
-                </a:solidFill>
-              </a:rPr>
+              <a:rPr lang="en-US" sz="1800" dirty="0" err="1"/>
               <a:t>Y:y</a:t>
             </a:r>
             <a:r>
-              <a:rPr lang="en-US" sz="1800" dirty="0">
-                <a:solidFill>
-                  <a:schemeClr val="tx1">
-                    <a:lumMod val="50000"/>
-                    <a:lumOff val="50000"/>
-                  </a:schemeClr>
-                </a:solidFill>
-              </a:rPr>
+              <a:rPr lang="en-US" sz="1800" dirty="0"/>
               <a:t>}) </a:t>
             </a:r>
           </a:p>
@@ -16727,80 +16335,31 @@
               <a:buNone/>
             </a:pPr>
             <a:r>
-              <a:rPr lang="en-US" sz="1800" dirty="0">
-                <a:solidFill>
-                  <a:schemeClr val="tx1">
-                    <a:lumMod val="50000"/>
-                    <a:lumOff val="50000"/>
-                  </a:schemeClr>
-                </a:solidFill>
-              </a:rPr>
+              <a:rPr lang="en-US" sz="1800" dirty="0"/>
               <a:t>         </a:t>
             </a:r>
             <a:r>
-              <a:rPr lang="en-US" sz="1800" dirty="0" err="1">
-                <a:solidFill>
-                  <a:schemeClr val="tx1">
-                    <a:lumMod val="50000"/>
-                    <a:lumOff val="50000"/>
-                  </a:schemeClr>
-                </a:solidFill>
-              </a:rPr>
+              <a:rPr lang="en-US" sz="1800" dirty="0" err="1"/>
               <a:t>w_out</a:t>
             </a:r>
             <a:r>
-              <a:rPr lang="en-US" sz="1800" dirty="0">
-                <a:solidFill>
-                  <a:schemeClr val="tx1">
-                    <a:lumMod val="50000"/>
-                    <a:lumOff val="50000"/>
-                  </a:schemeClr>
-                </a:solidFill>
-              </a:rPr>
+              <a:rPr lang="en-US" sz="1800" dirty="0"/>
               <a:t>, </a:t>
             </a:r>
             <a:r>
-              <a:rPr lang="en-US" sz="1800" dirty="0" err="1">
-                <a:solidFill>
-                  <a:schemeClr val="tx1">
-                    <a:lumMod val="50000"/>
-                    <a:lumOff val="50000"/>
-                  </a:schemeClr>
-                </a:solidFill>
-              </a:rPr>
+              <a:rPr lang="en-US" sz="1800" dirty="0" err="1"/>
               <a:t>b_out</a:t>
             </a:r>
             <a:r>
-              <a:rPr lang="en-US" sz="1800" dirty="0">
-                <a:solidFill>
-                  <a:schemeClr val="tx1">
-                    <a:lumMod val="50000"/>
-                    <a:lumOff val="50000"/>
-                  </a:schemeClr>
-                </a:solidFill>
-              </a:rPr>
+              <a:rPr lang="en-US" sz="1800" dirty="0"/>
               <a:t> = </a:t>
             </a:r>
             <a:r>
-              <a:rPr lang="en-US" sz="1800" dirty="0" err="1">
-                <a:solidFill>
-                  <a:schemeClr val="tx1">
-                    <a:lumMod val="50000"/>
-                    <a:lumOff val="50000"/>
-                  </a:schemeClr>
-                </a:solidFill>
-              </a:rPr>
+              <a:rPr lang="en-US" sz="1800" dirty="0" err="1"/>
               <a:t>sess.run</a:t>
             </a:r>
             <a:r>
-              <a:rPr lang="en-US" sz="1800" dirty="0">
-                <a:solidFill>
-                  <a:schemeClr val="tx1">
-                    <a:lumMod val="50000"/>
-                    <a:lumOff val="50000"/>
-                  </a:schemeClr>
-                </a:solidFill>
-              </a:rPr>
+              <a:rPr lang="en-US" sz="1800" dirty="0"/>
               <a:t>([w, b]) </a:t>
             </a:r>
           </a:p>
@@ -16926,605 +16485,220 @@
               <a:buNone/>
             </a:pPr>
             <a:r>
-              <a:rPr lang="en-US" sz="1800" dirty="0">
-                <a:solidFill>
-                  <a:schemeClr val="tx1">
-                    <a:lumMod val="50000"/>
-                    <a:lumOff val="50000"/>
-                  </a:schemeClr>
-                </a:solidFill>
-              </a:rPr>
+              <a:rPr lang="en-US" sz="1800" dirty="0"/>
               <a:t>import </a:t>
             </a:r>
             <a:r>
-              <a:rPr lang="en-US" sz="1800" dirty="0" err="1">
-                <a:solidFill>
-                  <a:schemeClr val="tx1">
-                    <a:lumMod val="50000"/>
-                    <a:lumOff val="50000"/>
-                  </a:schemeClr>
-                </a:solidFill>
-              </a:rPr>
+              <a:rPr lang="en-US" sz="1800" dirty="0" err="1"/>
               <a:t>tensorflow</a:t>
             </a:r>
             <a:r>
-              <a:rPr lang="en-US" sz="1800" dirty="0">
-                <a:solidFill>
-                  <a:schemeClr val="tx1">
-                    <a:lumMod val="50000"/>
-                    <a:lumOff val="50000"/>
-                  </a:schemeClr>
-                </a:solidFill>
-              </a:rPr>
+              <a:rPr lang="en-US" sz="1800" dirty="0"/>
               <a:t> as </a:t>
             </a:r>
             <a:r>
-              <a:rPr lang="en-US" sz="1800" dirty="0" err="1">
-                <a:solidFill>
-                  <a:schemeClr val="tx1">
-                    <a:lumMod val="50000"/>
-                    <a:lumOff val="50000"/>
-                  </a:schemeClr>
-                </a:solidFill>
-              </a:rPr>
+              <a:rPr lang="en-US" sz="1800" dirty="0" err="1"/>
               <a:t>tf</a:t>
             </a:r>
             <a:r>
-              <a:rPr lang="en-US" sz="1800" dirty="0">
-                <a:solidFill>
-                  <a:schemeClr val="tx1">
-                    <a:lumMod val="50000"/>
-                    <a:lumOff val="50000"/>
-                  </a:schemeClr>
-                </a:solidFill>
-              </a:rPr>
+              <a:rPr lang="en-US" sz="1800" dirty="0"/>
               <a:t/>
             </a:r>
             <a:br>
-              <a:rPr lang="en-US" sz="1800" dirty="0">
-                <a:solidFill>
-                  <a:schemeClr val="tx1">
-                    <a:lumMod val="50000"/>
-                    <a:lumOff val="50000"/>
-                  </a:schemeClr>
-                </a:solidFill>
-              </a:rPr>
+              <a:rPr lang="en-US" sz="1800" dirty="0"/>
             </a:br>
-            <a:endParaRPr lang="en-US" sz="1800" dirty="0">
-              <a:solidFill>
-                <a:schemeClr val="tx1">
-                  <a:lumMod val="50000"/>
-                  <a:lumOff val="50000"/>
-                </a:schemeClr>
-              </a:solidFill>
-            </a:endParaRPr>
+            <a:endParaRPr lang="en-US" sz="1800" dirty="0"/>
           </a:p>
           <a:p>
             <a:pPr marL="0" indent="0">
               <a:buNone/>
             </a:pPr>
             <a:r>
-              <a:rPr lang="en-US" sz="1800" dirty="0">
-                <a:solidFill>
-                  <a:schemeClr val="tx1">
-                    <a:lumMod val="50000"/>
-                    <a:lumOff val="50000"/>
-                  </a:schemeClr>
-                </a:solidFill>
-              </a:rPr>
+              <a:rPr lang="en-US" sz="1800" dirty="0"/>
               <a:t>from </a:t>
             </a:r>
             <a:r>
-              <a:rPr lang="en-US" sz="1800" dirty="0" err="1">
-                <a:solidFill>
-                  <a:schemeClr val="tx1">
-                    <a:lumMod val="50000"/>
-                    <a:lumOff val="50000"/>
-                  </a:schemeClr>
-                </a:solidFill>
-              </a:rPr>
+              <a:rPr lang="en-US" sz="1800" dirty="0" err="1"/>
               <a:t>tensorflow.python.keras.models</a:t>
             </a:r>
             <a:r>
-              <a:rPr lang="en-US" sz="1800" dirty="0">
-                <a:solidFill>
-                  <a:schemeClr val="tx1">
-                    <a:lumMod val="50000"/>
-                    <a:lumOff val="50000"/>
-                  </a:schemeClr>
-                </a:solidFill>
-              </a:rPr>
+              <a:rPr lang="en-US" sz="1800" dirty="0"/>
               <a:t> import Sequential </a:t>
             </a:r>
             <a:br>
-              <a:rPr lang="en-US" sz="1800" dirty="0">
-                <a:solidFill>
-                  <a:schemeClr val="tx1">
-                    <a:lumMod val="50000"/>
-                    <a:lumOff val="50000"/>
-                  </a:schemeClr>
-                </a:solidFill>
-              </a:rPr>
+              <a:rPr lang="en-US" sz="1800" dirty="0"/>
             </a:br>
             <a:r>
-              <a:rPr lang="en-US" sz="1800" dirty="0">
-                <a:solidFill>
-                  <a:schemeClr val="tx1">
-                    <a:lumMod val="50000"/>
-                    <a:lumOff val="50000"/>
-                  </a:schemeClr>
-                </a:solidFill>
-              </a:rPr>
+              <a:rPr lang="en-US" sz="1800" dirty="0"/>
               <a:t>from </a:t>
             </a:r>
             <a:r>
-              <a:rPr lang="en-US" sz="1800" dirty="0" err="1">
-                <a:solidFill>
-                  <a:schemeClr val="tx1">
-                    <a:lumMod val="50000"/>
-                    <a:lumOff val="50000"/>
-                  </a:schemeClr>
-                </a:solidFill>
-              </a:rPr>
+              <a:rPr lang="en-US" sz="1800" dirty="0" err="1"/>
               <a:t>tensorflow.python.keras.layers</a:t>
             </a:r>
             <a:r>
-              <a:rPr lang="en-US" sz="1800" dirty="0">
-                <a:solidFill>
-                  <a:schemeClr val="tx1">
-                    <a:lumMod val="50000"/>
-                    <a:lumOff val="50000"/>
-                  </a:schemeClr>
-                </a:solidFill>
-              </a:rPr>
+              <a:rPr lang="en-US" sz="1800" dirty="0"/>
               <a:t> import Dense, Activation </a:t>
             </a:r>
             <a:br>
-              <a:rPr lang="en-US" sz="1800" dirty="0">
-                <a:solidFill>
-                  <a:schemeClr val="tx1">
-                    <a:lumMod val="50000"/>
-                    <a:lumOff val="50000"/>
-                  </a:schemeClr>
-                </a:solidFill>
-              </a:rPr>
+              <a:rPr lang="en-US" sz="1800" dirty="0"/>
             </a:br>
-            <a:endParaRPr lang="en-US" sz="1800" dirty="0">
-              <a:solidFill>
-                <a:schemeClr val="tx1">
-                  <a:lumMod val="50000"/>
-                  <a:lumOff val="50000"/>
-                </a:schemeClr>
-              </a:solidFill>
-            </a:endParaRPr>
+            <a:endParaRPr lang="en-US" sz="1800" dirty="0"/>
           </a:p>
           <a:p>
             <a:pPr marL="0" indent="0">
               <a:buNone/>
             </a:pPr>
             <a:r>
-              <a:rPr lang="en-US" sz="1800" dirty="0">
-                <a:solidFill>
-                  <a:schemeClr val="tx1">
-                    <a:lumMod val="50000"/>
-                    <a:lumOff val="50000"/>
-                  </a:schemeClr>
-                </a:solidFill>
-              </a:rPr>
+              <a:rPr lang="en-US" sz="1800" dirty="0"/>
               <a:t>model = Sequential() </a:t>
             </a:r>
             <a:br>
-              <a:rPr lang="en-US" sz="1800" dirty="0">
-                <a:solidFill>
-                  <a:schemeClr val="tx1">
-                    <a:lumMod val="50000"/>
-                    <a:lumOff val="50000"/>
-                  </a:schemeClr>
-                </a:solidFill>
-              </a:rPr>
+              <a:rPr lang="en-US" sz="1800" dirty="0"/>
             </a:br>
             <a:r>
-              <a:rPr lang="en-US" sz="1800" dirty="0" err="1">
-                <a:solidFill>
-                  <a:schemeClr val="tx1">
-                    <a:lumMod val="50000"/>
-                    <a:lumOff val="50000"/>
-                  </a:schemeClr>
-                </a:solidFill>
-              </a:rPr>
+              <a:rPr lang="en-US" sz="1800" dirty="0" err="1"/>
               <a:t>model.add</a:t>
             </a:r>
             <a:r>
-              <a:rPr lang="en-US" sz="1800" dirty="0">
-                <a:solidFill>
-                  <a:schemeClr val="tx1">
-                    <a:lumMod val="50000"/>
-                    <a:lumOff val="50000"/>
-                  </a:schemeClr>
-                </a:solidFill>
-              </a:rPr>
+              <a:rPr lang="en-US" sz="1800" dirty="0"/>
               <a:t>(Dense(10, </a:t>
             </a:r>
             <a:r>
-              <a:rPr lang="en-US" sz="1800" dirty="0" err="1">
-                <a:solidFill>
-                  <a:schemeClr val="tx1">
-                    <a:lumMod val="50000"/>
-                    <a:lumOff val="50000"/>
-                  </a:schemeClr>
-                </a:solidFill>
-              </a:rPr>
+              <a:rPr lang="en-US" sz="1800" dirty="0" err="1"/>
               <a:t>input_dim</a:t>
             </a:r>
             <a:r>
-              <a:rPr lang="en-US" sz="1800" dirty="0">
-                <a:solidFill>
-                  <a:schemeClr val="tx1">
-                    <a:lumMod val="50000"/>
-                    <a:lumOff val="50000"/>
-                  </a:schemeClr>
-                </a:solidFill>
-              </a:rPr>
+              <a:rPr lang="en-US" sz="1800" dirty="0"/>
               <a:t>=100, activation='</a:t>
             </a:r>
             <a:r>
-              <a:rPr lang="en-US" sz="1800" dirty="0" err="1">
-                <a:solidFill>
-                  <a:schemeClr val="tx1">
-                    <a:lumMod val="50000"/>
-                    <a:lumOff val="50000"/>
-                  </a:schemeClr>
-                </a:solidFill>
-              </a:rPr>
+              <a:rPr lang="en-US" sz="1800" dirty="0" err="1"/>
               <a:t>softmax</a:t>
             </a:r>
             <a:r>
-              <a:rPr lang="en-US" sz="1800" dirty="0">
-                <a:solidFill>
-                  <a:schemeClr val="tx1">
-                    <a:lumMod val="50000"/>
-                    <a:lumOff val="50000"/>
-                  </a:schemeClr>
-                </a:solidFill>
-              </a:rPr>
+              <a:rPr lang="en-US" sz="1800" dirty="0"/>
               <a:t>')) </a:t>
             </a:r>
             <a:br>
-              <a:rPr lang="en-US" sz="1800" dirty="0">
-                <a:solidFill>
-                  <a:schemeClr val="tx1">
-                    <a:lumMod val="50000"/>
-                    <a:lumOff val="50000"/>
-                  </a:schemeClr>
-                </a:solidFill>
-              </a:rPr>
+              <a:rPr lang="en-US" sz="1800" dirty="0"/>
             </a:br>
             <a:r>
-              <a:rPr lang="en-US" sz="1800" dirty="0" err="1">
-                <a:solidFill>
-                  <a:schemeClr val="tx1">
-                    <a:lumMod val="50000"/>
-                    <a:lumOff val="50000"/>
-                  </a:schemeClr>
-                </a:solidFill>
-              </a:rPr>
+              <a:rPr lang="en-US" sz="1800" dirty="0" err="1"/>
               <a:t>model.compile</a:t>
             </a:r>
             <a:r>
-              <a:rPr lang="en-US" sz="1800" dirty="0">
-                <a:solidFill>
-                  <a:schemeClr val="tx1">
-                    <a:lumMod val="50000"/>
-                    <a:lumOff val="50000"/>
-                  </a:schemeClr>
-                </a:solidFill>
-              </a:rPr>
+              <a:rPr lang="en-US" sz="1800" dirty="0"/>
               <a:t>(optimizer='</a:t>
             </a:r>
             <a:r>
-              <a:rPr lang="en-US" sz="1800" dirty="0" err="1">
-                <a:solidFill>
-                  <a:schemeClr val="tx1">
-                    <a:lumMod val="50000"/>
-                    <a:lumOff val="50000"/>
-                  </a:schemeClr>
-                </a:solidFill>
-              </a:rPr>
+              <a:rPr lang="en-US" sz="1800" dirty="0" err="1"/>
               <a:t>sgd</a:t>
             </a:r>
             <a:r>
-              <a:rPr lang="en-US" sz="1800" dirty="0">
-                <a:solidFill>
-                  <a:schemeClr val="tx1">
-                    <a:lumMod val="50000"/>
-                    <a:lumOff val="50000"/>
-                  </a:schemeClr>
-                </a:solidFill>
-              </a:rPr>
+              <a:rPr lang="en-US" sz="1800" dirty="0"/>
               <a:t>', loss='</a:t>
             </a:r>
             <a:r>
-              <a:rPr lang="en-US" sz="1800" dirty="0" err="1">
-                <a:solidFill>
-                  <a:schemeClr val="tx1">
-                    <a:lumMod val="50000"/>
-                    <a:lumOff val="50000"/>
-                  </a:schemeClr>
-                </a:solidFill>
-              </a:rPr>
+              <a:rPr lang="en-US" sz="1800" dirty="0" err="1"/>
               <a:t>categorical_crossentropy</a:t>
             </a:r>
             <a:r>
-              <a:rPr lang="en-US" sz="1800" dirty="0">
-                <a:solidFill>
-                  <a:schemeClr val="tx1">
-                    <a:lumMod val="50000"/>
-                    <a:lumOff val="50000"/>
-                  </a:schemeClr>
-                </a:solidFill>
-              </a:rPr>
+              <a:rPr lang="en-US" sz="1800" dirty="0"/>
               <a:t>', metrics=['accuracy']) </a:t>
             </a:r>
             <a:br>
-              <a:rPr lang="en-US" sz="1800" dirty="0">
-                <a:solidFill>
-                  <a:schemeClr val="tx1">
-                    <a:lumMod val="50000"/>
-                    <a:lumOff val="50000"/>
-                  </a:schemeClr>
-                </a:solidFill>
-              </a:rPr>
+              <a:rPr lang="en-US" sz="1800" dirty="0"/>
             </a:br>
             <a:r>
-              <a:rPr lang="en-US" sz="1800" dirty="0">
-                <a:solidFill>
-                  <a:schemeClr val="tx1">
-                    <a:lumMod val="50000"/>
-                    <a:lumOff val="50000"/>
-                  </a:schemeClr>
-                </a:solidFill>
-              </a:rPr>
+              <a:rPr lang="en-US" sz="1800" dirty="0"/>
               <a:t>history = </a:t>
             </a:r>
             <a:r>
-              <a:rPr lang="en-US" sz="1800" dirty="0" err="1">
-                <a:solidFill>
-                  <a:schemeClr val="tx1">
-                    <a:lumMod val="50000"/>
-                    <a:lumOff val="50000"/>
-                  </a:schemeClr>
-                </a:solidFill>
-              </a:rPr>
+              <a:rPr lang="en-US" sz="1800" dirty="0" err="1"/>
               <a:t>model.fit</a:t>
             </a:r>
             <a:r>
-              <a:rPr lang="en-US" sz="1800" dirty="0">
-                <a:solidFill>
-                  <a:schemeClr val="tx1">
-                    <a:lumMod val="50000"/>
-                    <a:lumOff val="50000"/>
-                  </a:schemeClr>
-                </a:solidFill>
-              </a:rPr>
+              <a:rPr lang="en-US" sz="1800" dirty="0"/>
               <a:t>(</a:t>
             </a:r>
             <a:r>
-              <a:rPr lang="en-US" sz="1800" dirty="0" err="1">
-                <a:solidFill>
-                  <a:schemeClr val="tx1">
-                    <a:lumMod val="50000"/>
-                    <a:lumOff val="50000"/>
-                  </a:schemeClr>
-                </a:solidFill>
-              </a:rPr>
+              <a:rPr lang="en-US" sz="1800" dirty="0" err="1"/>
               <a:t>X_train</a:t>
             </a:r>
             <a:r>
-              <a:rPr lang="en-US" sz="1800" dirty="0">
-                <a:solidFill>
-                  <a:schemeClr val="tx1">
-                    <a:lumMod val="50000"/>
-                    <a:lumOff val="50000"/>
-                  </a:schemeClr>
-                </a:solidFill>
-              </a:rPr>
+              <a:rPr lang="en-US" sz="1800" dirty="0"/>
               <a:t>, </a:t>
             </a:r>
             <a:r>
-              <a:rPr lang="en-US" sz="1800" dirty="0" err="1">
-                <a:solidFill>
-                  <a:schemeClr val="tx1">
-                    <a:lumMod val="50000"/>
-                    <a:lumOff val="50000"/>
-                  </a:schemeClr>
-                </a:solidFill>
-              </a:rPr>
+              <a:rPr lang="en-US" sz="1800" dirty="0" err="1"/>
               <a:t>Y_train</a:t>
             </a:r>
             <a:r>
-              <a:rPr lang="en-US" sz="1800" dirty="0">
-                <a:solidFill>
-                  <a:schemeClr val="tx1">
-                    <a:lumMod val="50000"/>
-                    <a:lumOff val="50000"/>
-                  </a:schemeClr>
-                </a:solidFill>
-              </a:rPr>
+              <a:rPr lang="en-US" sz="1800" dirty="0"/>
               <a:t>, 128, </a:t>
             </a:r>
             <a:r>
-              <a:rPr lang="en-US" sz="1800" dirty="0" err="1">
-                <a:solidFill>
-                  <a:schemeClr val="tx1">
-                    <a:lumMod val="50000"/>
-                    <a:lumOff val="50000"/>
-                  </a:schemeClr>
-                </a:solidFill>
-              </a:rPr>
+              <a:rPr lang="en-US" sz="1800" dirty="0" err="1"/>
               <a:t>nb_epoch</a:t>
             </a:r>
             <a:r>
-              <a:rPr lang="en-US" sz="1800" dirty="0">
-                <a:solidFill>
-                  <a:schemeClr val="tx1">
-                    <a:lumMod val="50000"/>
-                    <a:lumOff val="50000"/>
-                  </a:schemeClr>
-                </a:solidFill>
-              </a:rPr>
+              <a:rPr lang="en-US" sz="1800" dirty="0"/>
               <a:t>=5,  </a:t>
             </a:r>
             <a:r>
-              <a:rPr lang="en-US" sz="1800" dirty="0" err="1">
-                <a:solidFill>
-                  <a:schemeClr val="tx1">
-                    <a:lumMod val="50000"/>
-                    <a:lumOff val="50000"/>
-                  </a:schemeClr>
-                </a:solidFill>
-              </a:rPr>
+              <a:rPr lang="en-US" sz="1800" dirty="0" err="1"/>
               <a:t>validation_data</a:t>
             </a:r>
             <a:r>
-              <a:rPr lang="en-US" sz="1800" dirty="0">
-                <a:solidFill>
-                  <a:schemeClr val="tx1">
-                    <a:lumMod val="50000"/>
-                    <a:lumOff val="50000"/>
-                  </a:schemeClr>
-                </a:solidFill>
-              </a:rPr>
+              <a:rPr lang="en-US" sz="1800" dirty="0"/>
               <a:t>=(</a:t>
             </a:r>
             <a:r>
-              <a:rPr lang="en-US" sz="1800" dirty="0" err="1">
-                <a:solidFill>
-                  <a:schemeClr val="tx1">
-                    <a:lumMod val="50000"/>
-                    <a:lumOff val="50000"/>
-                  </a:schemeClr>
-                </a:solidFill>
-              </a:rPr>
+              <a:rPr lang="en-US" sz="1800" dirty="0" err="1"/>
               <a:t>X_test</a:t>
             </a:r>
             <a:r>
-              <a:rPr lang="en-US" sz="1800" dirty="0">
-                <a:solidFill>
-                  <a:schemeClr val="tx1">
-                    <a:lumMod val="50000"/>
-                    <a:lumOff val="50000"/>
-                  </a:schemeClr>
-                </a:solidFill>
-              </a:rPr>
+              <a:rPr lang="en-US" sz="1800" dirty="0"/>
               <a:t>, </a:t>
             </a:r>
             <a:r>
-              <a:rPr lang="en-US" sz="1800" dirty="0" err="1">
-                <a:solidFill>
-                  <a:schemeClr val="tx1">
-                    <a:lumMod val="50000"/>
-                    <a:lumOff val="50000"/>
-                  </a:schemeClr>
-                </a:solidFill>
-              </a:rPr>
+              <a:rPr lang="en-US" sz="1800" dirty="0" err="1"/>
               <a:t>Y_test</a:t>
             </a:r>
             <a:r>
-              <a:rPr lang="en-US" sz="1800" dirty="0">
-                <a:solidFill>
-                  <a:schemeClr val="tx1">
-                    <a:lumMod val="50000"/>
-                    <a:lumOff val="50000"/>
-                  </a:schemeClr>
-                </a:solidFill>
-              </a:rPr>
+              <a:rPr lang="en-US" sz="1800" dirty="0"/>
               <a:t>)) </a:t>
             </a:r>
             <a:br>
-              <a:rPr lang="en-US" sz="1800" dirty="0">
-                <a:solidFill>
-                  <a:schemeClr val="tx1">
-                    <a:lumMod val="50000"/>
-                    <a:lumOff val="50000"/>
-                  </a:schemeClr>
-                </a:solidFill>
-              </a:rPr>
+              <a:rPr lang="en-US" sz="1800" dirty="0"/>
             </a:br>
             <a:r>
-              <a:rPr lang="en-US" sz="1800" dirty="0">
-                <a:solidFill>
-                  <a:schemeClr val="tx1">
-                    <a:lumMod val="50000"/>
-                    <a:lumOff val="50000"/>
-                  </a:schemeClr>
-                </a:solidFill>
-              </a:rPr>
+              <a:rPr lang="en-US" sz="1800" dirty="0"/>
               <a:t>score = </a:t>
             </a:r>
             <a:r>
-              <a:rPr lang="en-US" sz="1800" dirty="0" err="1">
-                <a:solidFill>
-                  <a:schemeClr val="tx1">
-                    <a:lumMod val="50000"/>
-                    <a:lumOff val="50000"/>
-                  </a:schemeClr>
-                </a:solidFill>
-              </a:rPr>
+              <a:rPr lang="en-US" sz="1800" dirty="0" err="1"/>
               <a:t>model.evaluate</a:t>
             </a:r>
             <a:r>
-              <a:rPr lang="en-US" sz="1800" dirty="0">
-                <a:solidFill>
-                  <a:schemeClr val="tx1">
-                    <a:lumMod val="50000"/>
-                    <a:lumOff val="50000"/>
-                  </a:schemeClr>
-                </a:solidFill>
-              </a:rPr>
+              <a:rPr lang="en-US" sz="1800" dirty="0"/>
               <a:t>(</a:t>
             </a:r>
             <a:r>
-              <a:rPr lang="en-US" sz="1800" dirty="0" err="1">
-                <a:solidFill>
-                  <a:schemeClr val="tx1">
-                    <a:lumMod val="50000"/>
-                    <a:lumOff val="50000"/>
-                  </a:schemeClr>
-                </a:solidFill>
-              </a:rPr>
+              <a:rPr lang="en-US" sz="1800" dirty="0" err="1"/>
               <a:t>X_test</a:t>
             </a:r>
             <a:r>
-              <a:rPr lang="en-US" sz="1800" dirty="0">
-                <a:solidFill>
-                  <a:schemeClr val="tx1">
-                    <a:lumMod val="50000"/>
-                    <a:lumOff val="50000"/>
-                  </a:schemeClr>
-                </a:solidFill>
-              </a:rPr>
+              <a:rPr lang="en-US" sz="1800" dirty="0"/>
               <a:t>, </a:t>
             </a:r>
             <a:r>
-              <a:rPr lang="en-US" sz="1800" dirty="0" err="1" smtClean="0">
-                <a:solidFill>
-                  <a:schemeClr val="tx1">
-                    <a:lumMod val="50000"/>
-                    <a:lumOff val="50000"/>
-                  </a:schemeClr>
-                </a:solidFill>
-              </a:rPr>
+              <a:rPr lang="en-US" sz="1800" dirty="0" err="1" smtClean="0"/>
               <a:t>Y_test</a:t>
             </a:r>
             <a:r>
-              <a:rPr lang="en-US" sz="1800" dirty="0" smtClean="0">
-                <a:solidFill>
-                  <a:schemeClr val="tx1">
-                    <a:lumMod val="50000"/>
-                    <a:lumOff val="50000"/>
-                  </a:schemeClr>
-                </a:solidFill>
-              </a:rPr>
+              <a:rPr lang="en-US" sz="1800" dirty="0" smtClean="0"/>
               <a:t>) </a:t>
             </a:r>
             <a:r>
@@ -19573,24 +18747,84 @@
           <a:p>
             <a:r>
               <a:rPr lang="en-US" dirty="0"/>
-              <a:t>For Columbia graduates, demonstrate “what can we do with deep neural networks”</a:t>
+              <a:t>For Columbia graduates, </a:t>
+            </a:r>
+            <a:r>
+              <a:rPr lang="en-US" dirty="0" smtClean="0"/>
+              <a:t>teach “what </a:t>
+            </a:r>
+            <a:r>
+              <a:rPr lang="en-US" dirty="0"/>
+              <a:t>can we do with deep neural networks</a:t>
+            </a:r>
+            <a:r>
+              <a:rPr lang="en-US" dirty="0" smtClean="0"/>
+              <a:t>”</a:t>
             </a:r>
             <a:endParaRPr lang="en-US" dirty="0" smtClean="0"/>
           </a:p>
           <a:p>
+            <a:r>
+              <a:rPr lang="en-US" dirty="0" smtClean="0"/>
+              <a:t>Why multi-modalities? </a:t>
+            </a:r>
+          </a:p>
+          <a:p>
+            <a:pPr lvl="1"/>
+            <a:r>
+              <a:rPr lang="en-US" dirty="0" smtClean="0"/>
+              <a:t>Speech, Vision, and NLP are most popular fields for deep learning</a:t>
+            </a:r>
+          </a:p>
+          <a:p>
+            <a:pPr lvl="1"/>
+            <a:r>
+              <a:rPr lang="en-US" dirty="0" smtClean="0"/>
+              <a:t>By comparing three fields, you </a:t>
+            </a:r>
+            <a:r>
+              <a:rPr lang="en-US" dirty="0"/>
+              <a:t>may feel </a:t>
+            </a:r>
+            <a:r>
+              <a:rPr lang="en-US" dirty="0" smtClean="0"/>
+              <a:t>deep networks are no </a:t>
+            </a:r>
+            <a:r>
+              <a:rPr lang="en-US" dirty="0"/>
+              <a:t>longer “black-box magic” </a:t>
+            </a:r>
             <a:endParaRPr lang="en-US" dirty="0" smtClean="0"/>
           </a:p>
           <a:p>
+            <a:pPr lvl="1"/>
             <a:r>
               <a:rPr lang="en-US" dirty="0" smtClean="0"/>
-              <a:t>For Columbia graduates, demonstrate “what can we do with deep neural networks”</a:t>
-            </a:r>
-            <a:endParaRPr lang="en-US" sz="2000" dirty="0" smtClean="0"/>
-          </a:p>
-          <a:p>
-            <a:endParaRPr lang="en-US" dirty="0"/>
-          </a:p>
-          <a:p>
+              <a:t>We </a:t>
+            </a:r>
+            <a:r>
+              <a:rPr lang="en-US" dirty="0"/>
+              <a:t>hope you can </a:t>
+            </a:r>
+            <a:r>
+              <a:rPr lang="en-US" dirty="0" smtClean="0"/>
+              <a:t>generalize these success to multi-modal problem or a new domain</a:t>
+            </a:r>
+            <a:endParaRPr lang="en-US" dirty="0" smtClean="0"/>
+          </a:p>
+          <a:p>
+            <a:r>
+              <a:rPr lang="en-US" dirty="0" smtClean="0"/>
+              <a:t>How?</a:t>
+            </a:r>
+            <a:endParaRPr lang="en-US" sz="1600" dirty="0"/>
+          </a:p>
+          <a:p>
+            <a:pPr lvl="1"/>
+            <a:r>
+              <a:rPr lang="en-US" dirty="0" smtClean="0"/>
+              <a:t>Course, Homework and Projects</a:t>
+            </a:r>
             <a:endParaRPr lang="en-US" dirty="0" smtClean="0"/>
           </a:p>
           <a:p>

--- a/lecture/lecture1_llcao.pptx
+++ b/lecture/lecture1_llcao.pptx
@@ -11171,7 +11171,15 @@
           <a:p>
             <a:r>
               <a:rPr lang="en-US" dirty="0" smtClean="0"/>
-              <a:t>A python framework of computing math expression</a:t>
+              <a:t>A </a:t>
+            </a:r>
+            <a:r>
+              <a:rPr lang="en-US" dirty="0" smtClean="0"/>
+              <a:t>python/C </a:t>
+            </a:r>
+            <a:r>
+              <a:rPr lang="en-US" dirty="0" smtClean="0"/>
+              <a:t>framework of computing math expression</a:t>
             </a:r>
           </a:p>
           <a:p>
@@ -11318,7 +11326,15 @@
           <a:p>
             <a:r>
               <a:rPr lang="en-US" dirty="0" smtClean="0"/>
-              <a:t>A python framework of computing math expression</a:t>
+              <a:t>A </a:t>
+            </a:r>
+            <a:r>
+              <a:rPr lang="en-US" dirty="0" smtClean="0"/>
+              <a:t>python/C </a:t>
+            </a:r>
+            <a:r>
+              <a:rPr lang="en-US" dirty="0" smtClean="0"/>
+              <a:t>framework of computing math expression</a:t>
             </a:r>
           </a:p>
           <a:p>
@@ -12173,154 +12189,56 @@
               <a:buNone/>
             </a:pPr>
             <a:r>
-              <a:rPr lang="en-US" dirty="0">
-                <a:solidFill>
-                  <a:schemeClr val="tx1">
-                    <a:lumMod val="50000"/>
-                    <a:lumOff val="50000"/>
-                  </a:schemeClr>
-                </a:solidFill>
-              </a:rPr>
+              <a:rPr lang="en-US" dirty="0"/>
               <a:t>import </a:t>
             </a:r>
             <a:r>
-              <a:rPr lang="en-US" dirty="0" err="1">
-                <a:solidFill>
-                  <a:schemeClr val="tx1">
-                    <a:lumMod val="50000"/>
-                    <a:lumOff val="50000"/>
-                  </a:schemeClr>
-                </a:solidFill>
-              </a:rPr>
+              <a:rPr lang="en-US" dirty="0" err="1"/>
               <a:t>tensorflow</a:t>
             </a:r>
             <a:r>
-              <a:rPr lang="en-US" dirty="0">
-                <a:solidFill>
-                  <a:schemeClr val="tx1">
-                    <a:lumMod val="50000"/>
-                    <a:lumOff val="50000"/>
-                  </a:schemeClr>
-                </a:solidFill>
-              </a:rPr>
+              <a:rPr lang="en-US" dirty="0"/>
               <a:t> as </a:t>
             </a:r>
             <a:r>
-              <a:rPr lang="en-US" dirty="0" err="1">
-                <a:solidFill>
-                  <a:schemeClr val="tx1">
-                    <a:lumMod val="50000"/>
-                    <a:lumOff val="50000"/>
-                  </a:schemeClr>
-                </a:solidFill>
-              </a:rPr>
+              <a:rPr lang="en-US" dirty="0" err="1"/>
               <a:t>tf</a:t>
             </a:r>
             <a:r>
-              <a:rPr lang="en-US" dirty="0">
-                <a:solidFill>
-                  <a:schemeClr val="tx1">
-                    <a:lumMod val="50000"/>
-                    <a:lumOff val="50000"/>
-                  </a:schemeClr>
-                </a:solidFill>
-              </a:rPr>
+              <a:rPr lang="en-US" dirty="0"/>
               <a:t/>
             </a:r>
             <a:br>
-              <a:rPr lang="en-US" dirty="0">
-                <a:solidFill>
-                  <a:schemeClr val="tx1">
-                    <a:lumMod val="50000"/>
-                    <a:lumOff val="50000"/>
-                  </a:schemeClr>
-                </a:solidFill>
-              </a:rPr>
+              <a:rPr lang="en-US" dirty="0"/>
             </a:br>
             <a:r>
-              <a:rPr lang="en-US" dirty="0">
-                <a:solidFill>
-                  <a:schemeClr val="tx1">
-                    <a:lumMod val="50000"/>
-                    <a:lumOff val="50000"/>
-                  </a:schemeClr>
-                </a:solidFill>
-              </a:rPr>
+              <a:rPr lang="en-US" dirty="0"/>
               <a:t>a = </a:t>
             </a:r>
             <a:r>
-              <a:rPr lang="en-US" dirty="0" err="1">
-                <a:solidFill>
-                  <a:schemeClr val="tx1">
-                    <a:lumMod val="50000"/>
-                    <a:lumOff val="50000"/>
-                  </a:schemeClr>
-                </a:solidFill>
-              </a:rPr>
+              <a:rPr lang="en-US" dirty="0" err="1"/>
               <a:t>tf.add</a:t>
             </a:r>
             <a:r>
-              <a:rPr lang="en-US" dirty="0" smtClean="0">
-                <a:solidFill>
-                  <a:schemeClr val="tx1">
-                    <a:lumMod val="50000"/>
-                    <a:lumOff val="50000"/>
-                  </a:schemeClr>
-                </a:solidFill>
-              </a:rPr>
+              <a:rPr lang="en-US" dirty="0" smtClean="0"/>
               <a:t>([2,1], [1,2])</a:t>
             </a:r>
             <a:r>
-              <a:rPr lang="en-US" dirty="0">
-                <a:solidFill>
-                  <a:schemeClr val="tx1">
-                    <a:lumMod val="50000"/>
-                    <a:lumOff val="50000"/>
-                  </a:schemeClr>
-                </a:solidFill>
-              </a:rPr>
+              <a:rPr lang="en-US" dirty="0"/>
               <a:t/>
             </a:r>
             <a:br>
-              <a:rPr lang="en-US" dirty="0">
-                <a:solidFill>
-                  <a:schemeClr val="tx1">
-                    <a:lumMod val="50000"/>
-                    <a:lumOff val="50000"/>
-                  </a:schemeClr>
-                </a:solidFill>
-              </a:rPr>
+              <a:rPr lang="en-US" dirty="0"/>
             </a:br>
             <a:r>
-              <a:rPr lang="en-US" dirty="0">
-                <a:solidFill>
-                  <a:schemeClr val="tx1">
-                    <a:lumMod val="50000"/>
-                    <a:lumOff val="50000"/>
-                  </a:schemeClr>
-                </a:solidFill>
-              </a:rPr>
+              <a:rPr lang="en-US" dirty="0"/>
               <a:t>print(a</a:t>
             </a:r>
             <a:r>
-              <a:rPr lang="en-US" dirty="0" smtClean="0">
-                <a:solidFill>
-                  <a:schemeClr val="tx1">
-                    <a:lumMod val="50000"/>
-                    <a:lumOff val="50000"/>
-                  </a:schemeClr>
-                </a:solidFill>
-              </a:rPr>
+              <a:rPr lang="en-US" dirty="0" smtClean="0"/>
               <a:t>)</a:t>
             </a:r>
-            <a:endParaRPr lang="en-US" dirty="0">
-              <a:solidFill>
-                <a:schemeClr val="tx1">
-                  <a:lumMod val="50000"/>
-                  <a:lumOff val="50000"/>
-                </a:schemeClr>
-              </a:solidFill>
-            </a:endParaRPr>
+            <a:endParaRPr lang="en-US" dirty="0"/>
           </a:p>
         </p:txBody>
       </p:sp>
@@ -12666,154 +12584,56 @@
               <a:buNone/>
             </a:pPr>
             <a:r>
-              <a:rPr lang="en-US" dirty="0">
-                <a:solidFill>
-                  <a:schemeClr val="tx1">
-                    <a:lumMod val="50000"/>
-                    <a:lumOff val="50000"/>
-                  </a:schemeClr>
-                </a:solidFill>
-              </a:rPr>
+              <a:rPr lang="en-US" dirty="0"/>
               <a:t>import </a:t>
             </a:r>
             <a:r>
-              <a:rPr lang="en-US" dirty="0" err="1">
-                <a:solidFill>
-                  <a:schemeClr val="tx1">
-                    <a:lumMod val="50000"/>
-                    <a:lumOff val="50000"/>
-                  </a:schemeClr>
-                </a:solidFill>
-              </a:rPr>
+              <a:rPr lang="en-US" dirty="0" err="1"/>
               <a:t>tensorflow</a:t>
             </a:r>
             <a:r>
-              <a:rPr lang="en-US" dirty="0">
-                <a:solidFill>
-                  <a:schemeClr val="tx1">
-                    <a:lumMod val="50000"/>
-                    <a:lumOff val="50000"/>
-                  </a:schemeClr>
-                </a:solidFill>
-              </a:rPr>
+              <a:rPr lang="en-US" dirty="0"/>
               <a:t> as </a:t>
             </a:r>
             <a:r>
-              <a:rPr lang="en-US" dirty="0" err="1">
-                <a:solidFill>
-                  <a:schemeClr val="tx1">
-                    <a:lumMod val="50000"/>
-                    <a:lumOff val="50000"/>
-                  </a:schemeClr>
-                </a:solidFill>
-              </a:rPr>
+              <a:rPr lang="en-US" dirty="0" err="1"/>
               <a:t>tf</a:t>
             </a:r>
             <a:r>
-              <a:rPr lang="en-US" dirty="0">
-                <a:solidFill>
-                  <a:schemeClr val="tx1">
-                    <a:lumMod val="50000"/>
-                    <a:lumOff val="50000"/>
-                  </a:schemeClr>
-                </a:solidFill>
-              </a:rPr>
+              <a:rPr lang="en-US" dirty="0"/>
               <a:t/>
             </a:r>
             <a:br>
-              <a:rPr lang="en-US" dirty="0">
-                <a:solidFill>
-                  <a:schemeClr val="tx1">
-                    <a:lumMod val="50000"/>
-                    <a:lumOff val="50000"/>
-                  </a:schemeClr>
-                </a:solidFill>
-              </a:rPr>
+              <a:rPr lang="en-US" dirty="0"/>
             </a:br>
             <a:r>
-              <a:rPr lang="en-US" dirty="0">
-                <a:solidFill>
-                  <a:schemeClr val="tx1">
-                    <a:lumMod val="50000"/>
-                    <a:lumOff val="50000"/>
-                  </a:schemeClr>
-                </a:solidFill>
-              </a:rPr>
+              <a:rPr lang="en-US" dirty="0"/>
               <a:t>a = </a:t>
             </a:r>
             <a:r>
-              <a:rPr lang="en-US" dirty="0" err="1">
-                <a:solidFill>
-                  <a:schemeClr val="tx1">
-                    <a:lumMod val="50000"/>
-                    <a:lumOff val="50000"/>
-                  </a:schemeClr>
-                </a:solidFill>
-              </a:rPr>
+              <a:rPr lang="en-US" dirty="0" err="1"/>
               <a:t>tf.add</a:t>
             </a:r>
             <a:r>
-              <a:rPr lang="en-US" dirty="0" smtClean="0">
-                <a:solidFill>
-                  <a:schemeClr val="tx1">
-                    <a:lumMod val="50000"/>
-                    <a:lumOff val="50000"/>
-                  </a:schemeClr>
-                </a:solidFill>
-              </a:rPr>
+              <a:rPr lang="en-US" dirty="0" smtClean="0"/>
               <a:t>([1,2], [2,1])</a:t>
             </a:r>
             <a:r>
-              <a:rPr lang="en-US" dirty="0">
-                <a:solidFill>
-                  <a:schemeClr val="tx1">
-                    <a:lumMod val="50000"/>
-                    <a:lumOff val="50000"/>
-                  </a:schemeClr>
-                </a:solidFill>
-              </a:rPr>
+              <a:rPr lang="en-US" dirty="0"/>
               <a:t/>
             </a:r>
             <a:br>
-              <a:rPr lang="en-US" dirty="0">
-                <a:solidFill>
-                  <a:schemeClr val="tx1">
-                    <a:lumMod val="50000"/>
-                    <a:lumOff val="50000"/>
-                  </a:schemeClr>
-                </a:solidFill>
-              </a:rPr>
+              <a:rPr lang="en-US" dirty="0"/>
             </a:br>
             <a:r>
-              <a:rPr lang="en-US" dirty="0">
-                <a:solidFill>
-                  <a:schemeClr val="tx1">
-                    <a:lumMod val="50000"/>
-                    <a:lumOff val="50000"/>
-                  </a:schemeClr>
-                </a:solidFill>
-              </a:rPr>
+              <a:rPr lang="en-US" dirty="0"/>
               <a:t>print(a</a:t>
             </a:r>
             <a:r>
-              <a:rPr lang="en-US" dirty="0" smtClean="0">
-                <a:solidFill>
-                  <a:schemeClr val="tx1">
-                    <a:lumMod val="50000"/>
-                    <a:lumOff val="50000"/>
-                  </a:schemeClr>
-                </a:solidFill>
-              </a:rPr>
+              <a:rPr lang="en-US" dirty="0" smtClean="0"/>
               <a:t>)</a:t>
             </a:r>
-            <a:endParaRPr lang="en-US" dirty="0">
-              <a:solidFill>
-                <a:schemeClr val="tx1">
-                  <a:lumMod val="50000"/>
-                  <a:lumOff val="50000"/>
-                </a:schemeClr>
-              </a:solidFill>
-            </a:endParaRPr>
+            <a:endParaRPr lang="en-US" dirty="0"/>
           </a:p>
         </p:txBody>
       </p:sp>
@@ -13324,10 +13144,10 @@
               <a:buAutoNum type="alphaLcParenR"/>
             </a:pPr>
             <a:r>
-              <a:rPr lang="en-US" i="0" dirty="0" smtClean="0"/>
+              <a:rPr lang="en-US" b="1" i="0" dirty="0" smtClean="0"/>
               <a:t>None of above</a:t>
             </a:r>
-            <a:endParaRPr lang="en-US" i="0" dirty="0"/>
+            <a:endParaRPr lang="en-US" b="1" i="0" dirty="0"/>
           </a:p>
         </p:txBody>
       </p:sp>
@@ -13426,154 +13246,56 @@
               <a:buNone/>
             </a:pPr>
             <a:r>
-              <a:rPr lang="en-US" dirty="0">
-                <a:solidFill>
-                  <a:schemeClr val="tx1">
-                    <a:lumMod val="50000"/>
-                    <a:lumOff val="50000"/>
-                  </a:schemeClr>
-                </a:solidFill>
-              </a:rPr>
+              <a:rPr lang="en-US" dirty="0"/>
               <a:t>import </a:t>
             </a:r>
             <a:r>
-              <a:rPr lang="en-US" dirty="0" err="1">
-                <a:solidFill>
-                  <a:schemeClr val="tx1">
-                    <a:lumMod val="50000"/>
-                    <a:lumOff val="50000"/>
-                  </a:schemeClr>
-                </a:solidFill>
-              </a:rPr>
+              <a:rPr lang="en-US" dirty="0" err="1"/>
               <a:t>tensorflow</a:t>
             </a:r>
             <a:r>
-              <a:rPr lang="en-US" dirty="0">
-                <a:solidFill>
-                  <a:schemeClr val="tx1">
-                    <a:lumMod val="50000"/>
-                    <a:lumOff val="50000"/>
-                  </a:schemeClr>
-                </a:solidFill>
-              </a:rPr>
+              <a:rPr lang="en-US" dirty="0"/>
               <a:t> as </a:t>
             </a:r>
             <a:r>
-              <a:rPr lang="en-US" dirty="0" err="1">
-                <a:solidFill>
-                  <a:schemeClr val="tx1">
-                    <a:lumMod val="50000"/>
-                    <a:lumOff val="50000"/>
-                  </a:schemeClr>
-                </a:solidFill>
-              </a:rPr>
+              <a:rPr lang="en-US" dirty="0" err="1"/>
               <a:t>tf</a:t>
             </a:r>
             <a:r>
-              <a:rPr lang="en-US" dirty="0">
-                <a:solidFill>
-                  <a:schemeClr val="tx1">
-                    <a:lumMod val="50000"/>
-                    <a:lumOff val="50000"/>
-                  </a:schemeClr>
-                </a:solidFill>
-              </a:rPr>
+              <a:rPr lang="en-US" dirty="0"/>
               <a:t/>
             </a:r>
             <a:br>
-              <a:rPr lang="en-US" dirty="0">
-                <a:solidFill>
-                  <a:schemeClr val="tx1">
-                    <a:lumMod val="50000"/>
-                    <a:lumOff val="50000"/>
-                  </a:schemeClr>
-                </a:solidFill>
-              </a:rPr>
+              <a:rPr lang="en-US" dirty="0"/>
             </a:br>
             <a:r>
-              <a:rPr lang="en-US" dirty="0">
-                <a:solidFill>
-                  <a:schemeClr val="tx1">
-                    <a:lumMod val="50000"/>
-                    <a:lumOff val="50000"/>
-                  </a:schemeClr>
-                </a:solidFill>
-              </a:rPr>
+              <a:rPr lang="en-US" dirty="0"/>
               <a:t>a = </a:t>
             </a:r>
             <a:r>
-              <a:rPr lang="en-US" dirty="0" err="1">
-                <a:solidFill>
-                  <a:schemeClr val="tx1">
-                    <a:lumMod val="50000"/>
-                    <a:lumOff val="50000"/>
-                  </a:schemeClr>
-                </a:solidFill>
-              </a:rPr>
+              <a:rPr lang="en-US" dirty="0" err="1"/>
               <a:t>tf.add</a:t>
             </a:r>
             <a:r>
-              <a:rPr lang="en-US" dirty="0" smtClean="0">
-                <a:solidFill>
-                  <a:schemeClr val="tx1">
-                    <a:lumMod val="50000"/>
-                    <a:lumOff val="50000"/>
-                  </a:schemeClr>
-                </a:solidFill>
-              </a:rPr>
+              <a:rPr lang="en-US" dirty="0" smtClean="0"/>
               <a:t>([1,2], [2,1])</a:t>
             </a:r>
             <a:r>
-              <a:rPr lang="en-US" dirty="0">
-                <a:solidFill>
-                  <a:schemeClr val="tx1">
-                    <a:lumMod val="50000"/>
-                    <a:lumOff val="50000"/>
-                  </a:schemeClr>
-                </a:solidFill>
-              </a:rPr>
+              <a:rPr lang="en-US" dirty="0"/>
               <a:t/>
             </a:r>
             <a:br>
-              <a:rPr lang="en-US" dirty="0">
-                <a:solidFill>
-                  <a:schemeClr val="tx1">
-                    <a:lumMod val="50000"/>
-                    <a:lumOff val="50000"/>
-                  </a:schemeClr>
-                </a:solidFill>
-              </a:rPr>
+              <a:rPr lang="en-US" dirty="0"/>
             </a:br>
             <a:r>
-              <a:rPr lang="en-US" dirty="0">
-                <a:solidFill>
-                  <a:schemeClr val="tx1">
-                    <a:lumMod val="50000"/>
-                    <a:lumOff val="50000"/>
-                  </a:schemeClr>
-                </a:solidFill>
-              </a:rPr>
+              <a:rPr lang="en-US" dirty="0"/>
               <a:t>print(a</a:t>
             </a:r>
             <a:r>
-              <a:rPr lang="en-US" dirty="0" smtClean="0">
-                <a:solidFill>
-                  <a:schemeClr val="tx1">
-                    <a:lumMod val="50000"/>
-                    <a:lumOff val="50000"/>
-                  </a:schemeClr>
-                </a:solidFill>
-              </a:rPr>
+              <a:rPr lang="en-US" dirty="0" smtClean="0"/>
               <a:t>)</a:t>
             </a:r>
-            <a:endParaRPr lang="en-US" dirty="0">
-              <a:solidFill>
-                <a:schemeClr val="tx1">
-                  <a:lumMod val="50000"/>
-                  <a:lumOff val="50000"/>
-                </a:schemeClr>
-              </a:solidFill>
-            </a:endParaRPr>
+            <a:endParaRPr lang="en-US" dirty="0"/>
           </a:p>
         </p:txBody>
       </p:sp>
@@ -14133,144 +13855,53 @@
               <a:buNone/>
             </a:pPr>
             <a:r>
-              <a:rPr lang="en-US" dirty="0">
-                <a:solidFill>
-                  <a:schemeClr val="tx1">
-                    <a:lumMod val="50000"/>
-                    <a:lumOff val="50000"/>
-                  </a:schemeClr>
-                </a:solidFill>
-              </a:rPr>
+              <a:rPr lang="en-US" dirty="0"/>
               <a:t>import </a:t>
             </a:r>
             <a:r>
-              <a:rPr lang="en-US" dirty="0" err="1">
-                <a:solidFill>
-                  <a:schemeClr val="tx1">
-                    <a:lumMod val="50000"/>
-                    <a:lumOff val="50000"/>
-                  </a:schemeClr>
-                </a:solidFill>
-              </a:rPr>
+              <a:rPr lang="en-US" dirty="0" err="1"/>
               <a:t>tensorflow</a:t>
             </a:r>
             <a:r>
-              <a:rPr lang="en-US" dirty="0">
-                <a:solidFill>
-                  <a:schemeClr val="tx1">
-                    <a:lumMod val="50000"/>
-                    <a:lumOff val="50000"/>
-                  </a:schemeClr>
-                </a:solidFill>
-              </a:rPr>
+              <a:rPr lang="en-US" dirty="0"/>
               <a:t> as </a:t>
             </a:r>
             <a:r>
-              <a:rPr lang="en-US" dirty="0" err="1">
-                <a:solidFill>
-                  <a:schemeClr val="tx1">
-                    <a:lumMod val="50000"/>
-                    <a:lumOff val="50000"/>
-                  </a:schemeClr>
-                </a:solidFill>
-              </a:rPr>
+              <a:rPr lang="en-US" dirty="0" err="1"/>
               <a:t>tf</a:t>
             </a:r>
             <a:r>
-              <a:rPr lang="en-US" dirty="0">
-                <a:solidFill>
-                  <a:schemeClr val="tx1">
-                    <a:lumMod val="50000"/>
-                    <a:lumOff val="50000"/>
-                  </a:schemeClr>
-                </a:solidFill>
-              </a:rPr>
+              <a:rPr lang="en-US" dirty="0"/>
               <a:t/>
             </a:r>
             <a:br>
-              <a:rPr lang="en-US" dirty="0">
-                <a:solidFill>
-                  <a:schemeClr val="tx1">
-                    <a:lumMod val="50000"/>
-                    <a:lumOff val="50000"/>
-                  </a:schemeClr>
-                </a:solidFill>
-              </a:rPr>
+              <a:rPr lang="en-US" dirty="0"/>
             </a:br>
             <a:r>
-              <a:rPr lang="en-US" dirty="0">
-                <a:solidFill>
-                  <a:schemeClr val="tx1">
-                    <a:lumMod val="50000"/>
-                    <a:lumOff val="50000"/>
-                  </a:schemeClr>
-                </a:solidFill>
-              </a:rPr>
+              <a:rPr lang="en-US" dirty="0"/>
               <a:t>a = </a:t>
             </a:r>
             <a:r>
-              <a:rPr lang="en-US" dirty="0" err="1">
-                <a:solidFill>
-                  <a:schemeClr val="tx1">
-                    <a:lumMod val="50000"/>
-                    <a:lumOff val="50000"/>
-                  </a:schemeClr>
-                </a:solidFill>
-              </a:rPr>
+              <a:rPr lang="en-US" dirty="0" err="1"/>
               <a:t>tf.add</a:t>
             </a:r>
             <a:r>
-              <a:rPr lang="en-US" dirty="0" smtClean="0">
-                <a:solidFill>
-                  <a:schemeClr val="tx1">
-                    <a:lumMod val="50000"/>
-                    <a:lumOff val="50000"/>
-                  </a:schemeClr>
-                </a:solidFill>
-              </a:rPr>
+              <a:rPr lang="en-US" dirty="0" smtClean="0"/>
               <a:t>([1,2], [2,1])</a:t>
             </a:r>
             <a:r>
-              <a:rPr lang="en-US" dirty="0">
-                <a:solidFill>
-                  <a:schemeClr val="tx1">
-                    <a:lumMod val="50000"/>
-                    <a:lumOff val="50000"/>
-                  </a:schemeClr>
-                </a:solidFill>
-              </a:rPr>
+              <a:rPr lang="en-US" dirty="0"/>
               <a:t/>
             </a:r>
             <a:br>
-              <a:rPr lang="en-US" dirty="0">
-                <a:solidFill>
-                  <a:schemeClr val="tx1">
-                    <a:lumMod val="50000"/>
-                    <a:lumOff val="50000"/>
-                  </a:schemeClr>
-                </a:solidFill>
-              </a:rPr>
+              <a:rPr lang="en-US" dirty="0"/>
             </a:br>
             <a:r>
-              <a:rPr lang="en-US" dirty="0">
-                <a:solidFill>
-                  <a:schemeClr val="tx1">
-                    <a:lumMod val="50000"/>
-                    <a:lumOff val="50000"/>
-                  </a:schemeClr>
-                </a:solidFill>
-              </a:rPr>
+              <a:rPr lang="en-US" dirty="0"/>
               <a:t>print(a</a:t>
             </a:r>
             <a:r>
-              <a:rPr lang="en-US" dirty="0" smtClean="0">
-                <a:solidFill>
-                  <a:schemeClr val="tx1">
-                    <a:lumMod val="50000"/>
-                    <a:lumOff val="50000"/>
-                  </a:schemeClr>
-                </a:solidFill>
-              </a:rPr>
+              <a:rPr lang="en-US" dirty="0" smtClean="0"/>
               <a:t>)</a:t>
             </a:r>
           </a:p>
@@ -14279,58 +13910,23 @@
               <a:buNone/>
             </a:pPr>
             <a:r>
-              <a:rPr lang="en-US" dirty="0" smtClean="0">
-                <a:solidFill>
-                  <a:schemeClr val="tx1">
-                    <a:lumMod val="50000"/>
-                    <a:lumOff val="50000"/>
-                  </a:schemeClr>
-                </a:solidFill>
-              </a:rPr>
+              <a:rPr lang="en-US" dirty="0" smtClean="0"/>
               <a:t>with </a:t>
             </a:r>
             <a:r>
-              <a:rPr lang="en-US" dirty="0" err="1" smtClean="0">
-                <a:solidFill>
-                  <a:schemeClr val="tx1">
-                    <a:lumMod val="50000"/>
-                    <a:lumOff val="50000"/>
-                  </a:schemeClr>
-                </a:solidFill>
-              </a:rPr>
+              <a:rPr lang="en-US" dirty="0" err="1" smtClean="0"/>
               <a:t>tf.Session</a:t>
             </a:r>
             <a:r>
-              <a:rPr lang="en-US" dirty="0" smtClean="0">
-                <a:solidFill>
-                  <a:schemeClr val="tx1">
-                    <a:lumMod val="50000"/>
-                    <a:lumOff val="50000"/>
-                  </a:schemeClr>
-                </a:solidFill>
-              </a:rPr>
+              <a:rPr lang="en-US" dirty="0" smtClean="0"/>
               <a:t>() as </a:t>
             </a:r>
             <a:r>
-              <a:rPr lang="en-US" dirty="0" err="1" smtClean="0">
-                <a:solidFill>
-                  <a:schemeClr val="tx1">
-                    <a:lumMod val="50000"/>
-                    <a:lumOff val="50000"/>
-                  </a:schemeClr>
-                </a:solidFill>
-              </a:rPr>
+              <a:rPr lang="en-US" dirty="0" err="1" smtClean="0"/>
               <a:t>sess</a:t>
             </a:r>
             <a:r>
-              <a:rPr lang="en-US" dirty="0" smtClean="0">
-                <a:solidFill>
-                  <a:schemeClr val="tx1">
-                    <a:lumMod val="50000"/>
-                    <a:lumOff val="50000"/>
-                  </a:schemeClr>
-                </a:solidFill>
-              </a:rPr>
+              <a:rPr lang="en-US" dirty="0" smtClean="0"/>
               <a:t>:</a:t>
             </a:r>
           </a:p>
@@ -14339,57 +13935,22 @@
               <a:buNone/>
             </a:pPr>
             <a:r>
-              <a:rPr lang="en-US" dirty="0">
-                <a:solidFill>
-                  <a:schemeClr val="tx1">
-                    <a:lumMod val="50000"/>
-                    <a:lumOff val="50000"/>
-                  </a:schemeClr>
-                </a:solidFill>
-              </a:rPr>
+              <a:rPr lang="en-US" dirty="0"/>
               <a:t> </a:t>
             </a:r>
             <a:r>
-              <a:rPr lang="en-US" dirty="0" smtClean="0">
-                <a:solidFill>
-                  <a:schemeClr val="tx1">
-                    <a:lumMod val="50000"/>
-                    <a:lumOff val="50000"/>
-                  </a:schemeClr>
-                </a:solidFill>
-              </a:rPr>
+              <a:rPr lang="en-US" dirty="0" smtClean="0"/>
               <a:t>      print </a:t>
             </a:r>
             <a:r>
-              <a:rPr lang="en-US" dirty="0" err="1" smtClean="0">
-                <a:solidFill>
-                  <a:schemeClr val="tx1">
-                    <a:lumMod val="50000"/>
-                    <a:lumOff val="50000"/>
-                  </a:schemeClr>
-                </a:solidFill>
-              </a:rPr>
+              <a:rPr lang="en-US" dirty="0" err="1" smtClean="0"/>
               <a:t>sess.run</a:t>
             </a:r>
             <a:r>
-              <a:rPr lang="en-US" dirty="0" smtClean="0">
-                <a:solidFill>
-                  <a:schemeClr val="tx1">
-                    <a:lumMod val="50000"/>
-                    <a:lumOff val="50000"/>
-                  </a:schemeClr>
-                </a:solidFill>
-              </a:rPr>
+              <a:rPr lang="en-US" dirty="0" smtClean="0"/>
               <a:t>(a)</a:t>
             </a:r>
-            <a:endParaRPr lang="en-US" dirty="0">
-              <a:solidFill>
-                <a:schemeClr val="tx1">
-                  <a:lumMod val="50000"/>
-                  <a:lumOff val="50000"/>
-                </a:schemeClr>
-              </a:solidFill>
-            </a:endParaRPr>
+            <a:endParaRPr lang="en-US" dirty="0"/>
           </a:p>
         </p:txBody>
       </p:sp>
@@ -15389,165 +14950,60 @@
               <a:buNone/>
             </a:pPr>
             <a:r>
-              <a:rPr lang="en-US" dirty="0">
-                <a:solidFill>
-                  <a:schemeClr val="tx1">
-                    <a:lumMod val="50000"/>
-                    <a:lumOff val="50000"/>
-                  </a:schemeClr>
-                </a:solidFill>
-              </a:rPr>
+              <a:rPr lang="en-US" dirty="0"/>
               <a:t>import </a:t>
             </a:r>
             <a:r>
-              <a:rPr lang="en-US" dirty="0" err="1">
-                <a:solidFill>
-                  <a:schemeClr val="tx1">
-                    <a:lumMod val="50000"/>
-                    <a:lumOff val="50000"/>
-                  </a:schemeClr>
-                </a:solidFill>
-              </a:rPr>
+              <a:rPr lang="en-US" dirty="0" err="1"/>
               <a:t>tensorflow</a:t>
             </a:r>
             <a:r>
-              <a:rPr lang="en-US" dirty="0">
-                <a:solidFill>
-                  <a:schemeClr val="tx1">
-                    <a:lumMod val="50000"/>
-                    <a:lumOff val="50000"/>
-                  </a:schemeClr>
-                </a:solidFill>
-              </a:rPr>
+              <a:rPr lang="en-US" dirty="0"/>
               <a:t> as </a:t>
             </a:r>
             <a:r>
-              <a:rPr lang="en-US" dirty="0" err="1">
-                <a:solidFill>
-                  <a:schemeClr val="tx1">
-                    <a:lumMod val="50000"/>
-                    <a:lumOff val="50000"/>
-                  </a:schemeClr>
-                </a:solidFill>
-              </a:rPr>
+              <a:rPr lang="en-US" dirty="0" err="1"/>
               <a:t>tf</a:t>
             </a:r>
             <a:r>
-              <a:rPr lang="en-US" dirty="0">
-                <a:solidFill>
-                  <a:schemeClr val="tx1">
-                    <a:lumMod val="50000"/>
-                    <a:lumOff val="50000"/>
-                  </a:schemeClr>
-                </a:solidFill>
-              </a:rPr>
+              <a:rPr lang="en-US" dirty="0"/>
               <a:t/>
             </a:r>
             <a:br>
-              <a:rPr lang="en-US" dirty="0">
-                <a:solidFill>
-                  <a:schemeClr val="tx1">
-                    <a:lumMod val="50000"/>
-                    <a:lumOff val="50000"/>
-                  </a:schemeClr>
-                </a:solidFill>
-              </a:rPr>
+              <a:rPr lang="en-US" dirty="0"/>
             </a:br>
             <a:r>
-              <a:rPr lang="en-US" dirty="0">
-                <a:solidFill>
-                  <a:schemeClr val="tx1">
-                    <a:lumMod val="50000"/>
-                    <a:lumOff val="50000"/>
-                  </a:schemeClr>
-                </a:solidFill>
-              </a:rPr>
+              <a:rPr lang="en-US" dirty="0"/>
               <a:t>x = </a:t>
             </a:r>
             <a:r>
-              <a:rPr lang="en-US" dirty="0" err="1">
-                <a:solidFill>
-                  <a:schemeClr val="tx1">
-                    <a:lumMod val="50000"/>
-                    <a:lumOff val="50000"/>
-                  </a:schemeClr>
-                </a:solidFill>
-              </a:rPr>
+              <a:rPr lang="en-US" dirty="0" err="1"/>
               <a:t>tf.placeholder</a:t>
             </a:r>
             <a:r>
-              <a:rPr lang="en-US" dirty="0">
-                <a:solidFill>
-                  <a:schemeClr val="tx1">
-                    <a:lumMod val="50000"/>
-                    <a:lumOff val="50000"/>
-                  </a:schemeClr>
-                </a:solidFill>
-              </a:rPr>
+              <a:rPr lang="en-US" dirty="0"/>
               <a:t>(tf.float32)</a:t>
             </a:r>
             <a:br>
-              <a:rPr lang="en-US" dirty="0">
-                <a:solidFill>
-                  <a:schemeClr val="tx1">
-                    <a:lumMod val="50000"/>
-                    <a:lumOff val="50000"/>
-                  </a:schemeClr>
-                </a:solidFill>
-              </a:rPr>
+              <a:rPr lang="en-US" dirty="0"/>
             </a:br>
             <a:r>
-              <a:rPr lang="en-US" dirty="0">
-                <a:solidFill>
-                  <a:schemeClr val="tx1">
-                    <a:lumMod val="50000"/>
-                    <a:lumOff val="50000"/>
-                  </a:schemeClr>
-                </a:solidFill>
-              </a:rPr>
+              <a:rPr lang="en-US" dirty="0"/>
               <a:t>y =  2*x + x*x</a:t>
             </a:r>
             <a:br>
-              <a:rPr lang="en-US" dirty="0">
-                <a:solidFill>
-                  <a:schemeClr val="tx1">
-                    <a:lumMod val="50000"/>
-                    <a:lumOff val="50000"/>
-                  </a:schemeClr>
-                </a:solidFill>
-              </a:rPr>
+              <a:rPr lang="en-US" dirty="0"/>
             </a:br>
             <a:r>
-              <a:rPr lang="en-US" dirty="0">
-                <a:solidFill>
-                  <a:schemeClr val="tx1">
-                    <a:lumMod val="50000"/>
-                    <a:lumOff val="50000"/>
-                  </a:schemeClr>
-                </a:solidFill>
-              </a:rPr>
+              <a:rPr lang="en-US" dirty="0"/>
               <a:t>g = </a:t>
             </a:r>
             <a:r>
-              <a:rPr lang="en-US" dirty="0" err="1">
-                <a:solidFill>
-                  <a:schemeClr val="tx1">
-                    <a:lumMod val="50000"/>
-                    <a:lumOff val="50000"/>
-                  </a:schemeClr>
-                </a:solidFill>
-              </a:rPr>
+              <a:rPr lang="en-US" dirty="0" err="1"/>
               <a:t>tf.gradients</a:t>
             </a:r>
             <a:r>
-              <a:rPr lang="en-US" dirty="0">
-                <a:solidFill>
-                  <a:schemeClr val="tx1">
-                    <a:lumMod val="50000"/>
-                    <a:lumOff val="50000"/>
-                  </a:schemeClr>
-                </a:solidFill>
-              </a:rPr>
+              <a:rPr lang="en-US" dirty="0"/>
               <a:t>(x + y, [x, y])</a:t>
             </a:r>
           </a:p>
@@ -15556,58 +15012,23 @@
               <a:buNone/>
             </a:pPr>
             <a:r>
-              <a:rPr lang="en-US" dirty="0" smtClean="0">
-                <a:solidFill>
-                  <a:schemeClr val="tx1">
-                    <a:lumMod val="50000"/>
-                    <a:lumOff val="50000"/>
-                  </a:schemeClr>
-                </a:solidFill>
-              </a:rPr>
+              <a:rPr lang="en-US" dirty="0" smtClean="0"/>
               <a:t>with </a:t>
             </a:r>
             <a:r>
-              <a:rPr lang="en-US" dirty="0" err="1" smtClean="0">
-                <a:solidFill>
-                  <a:schemeClr val="tx1">
-                    <a:lumMod val="50000"/>
-                    <a:lumOff val="50000"/>
-                  </a:schemeClr>
-                </a:solidFill>
-              </a:rPr>
+              <a:rPr lang="en-US" dirty="0" err="1" smtClean="0"/>
               <a:t>tf.Session</a:t>
             </a:r>
             <a:r>
-              <a:rPr lang="en-US" dirty="0" smtClean="0">
-                <a:solidFill>
-                  <a:schemeClr val="tx1">
-                    <a:lumMod val="50000"/>
-                    <a:lumOff val="50000"/>
-                  </a:schemeClr>
-                </a:solidFill>
-              </a:rPr>
+              <a:rPr lang="en-US" dirty="0" smtClean="0"/>
               <a:t>() as </a:t>
             </a:r>
             <a:r>
-              <a:rPr lang="en-US" dirty="0" err="1" smtClean="0">
-                <a:solidFill>
-                  <a:schemeClr val="tx1">
-                    <a:lumMod val="50000"/>
-                    <a:lumOff val="50000"/>
-                  </a:schemeClr>
-                </a:solidFill>
-              </a:rPr>
+              <a:rPr lang="en-US" dirty="0" err="1" smtClean="0"/>
               <a:t>sess</a:t>
             </a:r>
             <a:r>
-              <a:rPr lang="en-US" dirty="0" smtClean="0">
-                <a:solidFill>
-                  <a:schemeClr val="tx1">
-                    <a:lumMod val="50000"/>
-                    <a:lumOff val="50000"/>
-                  </a:schemeClr>
-                </a:solidFill>
-              </a:rPr>
+              <a:rPr lang="en-US" dirty="0" smtClean="0"/>
               <a:t>:</a:t>
             </a:r>
           </a:p>
@@ -15616,79 +15037,30 @@
               <a:buNone/>
             </a:pPr>
             <a:r>
-              <a:rPr lang="en-US" dirty="0">
-                <a:solidFill>
-                  <a:schemeClr val="tx1">
-                    <a:lumMod val="50000"/>
-                    <a:lumOff val="50000"/>
-                  </a:schemeClr>
-                </a:solidFill>
-              </a:rPr>
+              <a:rPr lang="en-US" dirty="0"/>
               <a:t> </a:t>
             </a:r>
             <a:r>
-              <a:rPr lang="en-US" dirty="0" smtClean="0">
-                <a:solidFill>
-                  <a:schemeClr val="tx1">
-                    <a:lumMod val="50000"/>
-                    <a:lumOff val="50000"/>
-                  </a:schemeClr>
-                </a:solidFill>
-              </a:rPr>
+              <a:rPr lang="en-US" dirty="0" smtClean="0"/>
               <a:t>      print </a:t>
             </a:r>
             <a:r>
-              <a:rPr lang="en-US" dirty="0" err="1" smtClean="0">
-                <a:solidFill>
-                  <a:schemeClr val="tx1">
-                    <a:lumMod val="50000"/>
-                    <a:lumOff val="50000"/>
-                  </a:schemeClr>
-                </a:solidFill>
-              </a:rPr>
+              <a:rPr lang="en-US" dirty="0" err="1" smtClean="0"/>
               <a:t>sess.run</a:t>
             </a:r>
             <a:r>
-              <a:rPr lang="en-US" dirty="0" smtClean="0">
-                <a:solidFill>
-                  <a:schemeClr val="tx1">
-                    <a:lumMod val="50000"/>
-                    <a:lumOff val="50000"/>
-                  </a:schemeClr>
-                </a:solidFill>
-              </a:rPr>
+              <a:rPr lang="en-US" dirty="0" smtClean="0"/>
               <a:t>(g, </a:t>
             </a:r>
             <a:r>
-              <a:rPr lang="en-US" dirty="0" err="1" smtClean="0">
-                <a:solidFill>
-                  <a:schemeClr val="tx1">
-                    <a:lumMod val="50000"/>
-                    <a:lumOff val="50000"/>
-                  </a:schemeClr>
-                </a:solidFill>
-              </a:rPr>
+              <a:rPr lang="en-US" dirty="0" err="1" smtClean="0"/>
               <a:t>feed_dict</a:t>
             </a:r>
             <a:r>
-              <a:rPr lang="en-US" dirty="0" smtClean="0">
-                <a:solidFill>
-                  <a:schemeClr val="tx1">
-                    <a:lumMod val="50000"/>
-                    <a:lumOff val="50000"/>
-                  </a:schemeClr>
-                </a:solidFill>
-              </a:rPr>
+              <a:rPr lang="en-US" dirty="0" smtClean="0"/>
               <a:t>={x:1.0})</a:t>
             </a:r>
-            <a:endParaRPr lang="en-US" dirty="0">
-              <a:solidFill>
-                <a:schemeClr val="tx1">
-                  <a:lumMod val="50000"/>
-                  <a:lumOff val="50000"/>
-                </a:schemeClr>
-              </a:solidFill>
-            </a:endParaRPr>
+            <a:endParaRPr lang="en-US" dirty="0"/>
           </a:p>
         </p:txBody>
       </p:sp>
@@ -16846,629 +16218,237 @@
               <a:buNone/>
             </a:pPr>
             <a:r>
-              <a:rPr lang="en-US" sz="1800" dirty="0">
-                <a:solidFill>
-                  <a:schemeClr val="tx1">
-                    <a:lumMod val="50000"/>
-                    <a:lumOff val="50000"/>
-                  </a:schemeClr>
-                </a:solidFill>
-              </a:rPr>
+              <a:rPr lang="en-US" sz="1800" dirty="0"/>
               <a:t>import </a:t>
             </a:r>
             <a:r>
-              <a:rPr lang="en-US" sz="1800" dirty="0" err="1">
-                <a:solidFill>
-                  <a:schemeClr val="tx1">
-                    <a:lumMod val="50000"/>
-                    <a:lumOff val="50000"/>
-                  </a:schemeClr>
-                </a:solidFill>
-              </a:rPr>
+              <a:rPr lang="en-US" sz="1800" dirty="0" err="1"/>
               <a:t>tensorflow</a:t>
             </a:r>
             <a:r>
-              <a:rPr lang="en-US" sz="1800" dirty="0">
-                <a:solidFill>
-                  <a:schemeClr val="tx1">
-                    <a:lumMod val="50000"/>
-                    <a:lumOff val="50000"/>
-                  </a:schemeClr>
-                </a:solidFill>
-              </a:rPr>
+              <a:rPr lang="en-US" sz="1800" dirty="0"/>
               <a:t> as </a:t>
             </a:r>
             <a:r>
-              <a:rPr lang="en-US" sz="1800" dirty="0" err="1">
-                <a:solidFill>
-                  <a:schemeClr val="tx1">
-                    <a:lumMod val="50000"/>
-                    <a:lumOff val="50000"/>
-                  </a:schemeClr>
-                </a:solidFill>
-              </a:rPr>
+              <a:rPr lang="en-US" sz="1800" dirty="0" err="1"/>
               <a:t>tf</a:t>
             </a:r>
             <a:r>
-              <a:rPr lang="en-US" sz="1800" dirty="0">
-                <a:solidFill>
-                  <a:schemeClr val="tx1">
-                    <a:lumMod val="50000"/>
-                    <a:lumOff val="50000"/>
-                  </a:schemeClr>
-                </a:solidFill>
-              </a:rPr>
+              <a:rPr lang="en-US" sz="1800" dirty="0"/>
               <a:t/>
             </a:r>
             <a:br>
-              <a:rPr lang="en-US" sz="1800" dirty="0">
-                <a:solidFill>
-                  <a:schemeClr val="tx1">
-                    <a:lumMod val="50000"/>
-                    <a:lumOff val="50000"/>
-                  </a:schemeClr>
-                </a:solidFill>
-              </a:rPr>
+              <a:rPr lang="en-US" sz="1800" dirty="0"/>
             </a:br>
-            <a:endParaRPr lang="en-US" sz="1800" dirty="0">
-              <a:solidFill>
-                <a:schemeClr val="tx1">
-                  <a:lumMod val="50000"/>
-                  <a:lumOff val="50000"/>
-                </a:schemeClr>
-              </a:solidFill>
-            </a:endParaRPr>
+            <a:endParaRPr lang="en-US" sz="1800" dirty="0"/>
           </a:p>
           <a:p>
             <a:pPr marL="0" indent="0">
               <a:buNone/>
             </a:pPr>
             <a:r>
-              <a:rPr lang="en-US" sz="1800" dirty="0">
-                <a:solidFill>
-                  <a:schemeClr val="tx1">
-                    <a:lumMod val="50000"/>
-                    <a:lumOff val="50000"/>
-                  </a:schemeClr>
-                </a:solidFill>
-              </a:rPr>
+              <a:rPr lang="en-US" sz="1800" dirty="0"/>
               <a:t>from </a:t>
             </a:r>
             <a:r>
-              <a:rPr lang="en-US" sz="1800" dirty="0" err="1">
-                <a:solidFill>
-                  <a:schemeClr val="tx1">
-                    <a:lumMod val="50000"/>
-                    <a:lumOff val="50000"/>
-                  </a:schemeClr>
-                </a:solidFill>
-              </a:rPr>
+              <a:rPr lang="en-US" sz="1800" dirty="0" err="1"/>
               <a:t>tensorflow.python.keras.models</a:t>
             </a:r>
             <a:r>
-              <a:rPr lang="en-US" sz="1800" dirty="0">
-                <a:solidFill>
-                  <a:schemeClr val="tx1">
-                    <a:lumMod val="50000"/>
-                    <a:lumOff val="50000"/>
-                  </a:schemeClr>
-                </a:solidFill>
-              </a:rPr>
+              <a:rPr lang="en-US" sz="1800" dirty="0"/>
               <a:t> import Sequential </a:t>
             </a:r>
             <a:br>
-              <a:rPr lang="en-US" sz="1800" dirty="0">
-                <a:solidFill>
-                  <a:schemeClr val="tx1">
-                    <a:lumMod val="50000"/>
-                    <a:lumOff val="50000"/>
-                  </a:schemeClr>
-                </a:solidFill>
-              </a:rPr>
+              <a:rPr lang="en-US" sz="1800" dirty="0"/>
             </a:br>
             <a:r>
-              <a:rPr lang="en-US" sz="1800" dirty="0">
-                <a:solidFill>
-                  <a:schemeClr val="tx1">
-                    <a:lumMod val="50000"/>
-                    <a:lumOff val="50000"/>
-                  </a:schemeClr>
-                </a:solidFill>
-              </a:rPr>
+              <a:rPr lang="en-US" sz="1800" dirty="0"/>
               <a:t>from </a:t>
             </a:r>
             <a:r>
-              <a:rPr lang="en-US" sz="1800" dirty="0" err="1">
-                <a:solidFill>
-                  <a:schemeClr val="tx1">
-                    <a:lumMod val="50000"/>
-                    <a:lumOff val="50000"/>
-                  </a:schemeClr>
-                </a:solidFill>
-              </a:rPr>
+              <a:rPr lang="en-US" sz="1800" dirty="0" err="1"/>
               <a:t>tensorflow.python.keras.layers</a:t>
             </a:r>
             <a:r>
-              <a:rPr lang="en-US" sz="1800" dirty="0">
-                <a:solidFill>
-                  <a:schemeClr val="tx1">
-                    <a:lumMod val="50000"/>
-                    <a:lumOff val="50000"/>
-                  </a:schemeClr>
-                </a:solidFill>
-              </a:rPr>
+              <a:rPr lang="en-US" sz="1800" dirty="0"/>
               <a:t> import Dense, Activation </a:t>
             </a:r>
             <a:br>
-              <a:rPr lang="en-US" sz="1800" dirty="0">
-                <a:solidFill>
-                  <a:schemeClr val="tx1">
-                    <a:lumMod val="50000"/>
-                    <a:lumOff val="50000"/>
-                  </a:schemeClr>
-                </a:solidFill>
-              </a:rPr>
+              <a:rPr lang="en-US" sz="1800" dirty="0"/>
             </a:br>
-            <a:endParaRPr lang="en-US" sz="1800" dirty="0">
-              <a:solidFill>
-                <a:schemeClr val="tx1">
-                  <a:lumMod val="50000"/>
-                  <a:lumOff val="50000"/>
-                </a:schemeClr>
-              </a:solidFill>
-            </a:endParaRPr>
+            <a:endParaRPr lang="en-US" sz="1800" dirty="0"/>
           </a:p>
           <a:p>
             <a:pPr marL="0" indent="0">
               <a:buNone/>
             </a:pPr>
             <a:r>
-              <a:rPr lang="en-US" sz="1800" dirty="0">
-                <a:solidFill>
-                  <a:schemeClr val="tx1">
-                    <a:lumMod val="50000"/>
-                    <a:lumOff val="50000"/>
-                  </a:schemeClr>
-                </a:solidFill>
-              </a:rPr>
+              <a:rPr lang="en-US" sz="1800" dirty="0"/>
               <a:t>model = Sequential() </a:t>
-            </a:r>
-            <a:br>
-              <a:rPr lang="en-US" sz="1800" dirty="0">
-                <a:solidFill>
-                  <a:schemeClr val="tx1">
-                    <a:lumMod val="50000"/>
-                    <a:lumOff val="50000"/>
-                  </a:schemeClr>
-                </a:solidFill>
-              </a:rPr>
-            </a:br>
-            <a:r>
-              <a:rPr lang="en-US" sz="1800" dirty="0" err="1">
-                <a:solidFill>
-                  <a:schemeClr val="tx1">
-                    <a:lumMod val="50000"/>
-                    <a:lumOff val="50000"/>
-                  </a:schemeClr>
-                </a:solidFill>
-              </a:rPr>
-              <a:t>model.add</a:t>
-            </a:r>
-            <a:r>
-              <a:rPr lang="en-US" sz="1800" dirty="0">
-                <a:solidFill>
-                  <a:schemeClr val="tx1">
-                    <a:lumMod val="50000"/>
-                    <a:lumOff val="50000"/>
-                  </a:schemeClr>
-                </a:solidFill>
-              </a:rPr>
-              <a:t>(Dense(10, </a:t>
-            </a:r>
-            <a:r>
-              <a:rPr lang="en-US" sz="1800" dirty="0" err="1">
-                <a:solidFill>
-                  <a:schemeClr val="tx1">
-                    <a:lumMod val="50000"/>
-                    <a:lumOff val="50000"/>
-                  </a:schemeClr>
-                </a:solidFill>
-              </a:rPr>
-              <a:t>input_dim</a:t>
-            </a:r>
-            <a:r>
-              <a:rPr lang="en-US" sz="1800" dirty="0">
-                <a:solidFill>
-                  <a:schemeClr val="tx1">
-                    <a:lumMod val="50000"/>
-                    <a:lumOff val="50000"/>
-                  </a:schemeClr>
-                </a:solidFill>
-              </a:rPr>
-              <a:t>=100, activation='</a:t>
-            </a:r>
-            <a:r>
-              <a:rPr lang="en-US" sz="1800" dirty="0" err="1">
-                <a:solidFill>
-                  <a:schemeClr val="tx1">
-                    <a:lumMod val="50000"/>
-                    <a:lumOff val="50000"/>
-                  </a:schemeClr>
-                </a:solidFill>
-              </a:rPr>
-              <a:t>softmax</a:t>
-            </a:r>
-            <a:r>
-              <a:rPr lang="en-US" sz="1800" dirty="0">
-                <a:solidFill>
-                  <a:schemeClr val="tx1">
-                    <a:lumMod val="50000"/>
-                    <a:lumOff val="50000"/>
-                  </a:schemeClr>
-                </a:solidFill>
-              </a:rPr>
-              <a:t>')) </a:t>
-            </a:r>
-            <a:br>
-              <a:rPr lang="en-US" sz="1800" dirty="0">
-                <a:solidFill>
-                  <a:schemeClr val="tx1">
-                    <a:lumMod val="50000"/>
-                    <a:lumOff val="50000"/>
-                  </a:schemeClr>
-                </a:solidFill>
-              </a:rPr>
-            </a:br>
-            <a:r>
-              <a:rPr lang="en-US" sz="1800" dirty="0" err="1">
-                <a:solidFill>
-                  <a:schemeClr val="tx1">
-                    <a:lumMod val="50000"/>
-                    <a:lumOff val="50000"/>
-                  </a:schemeClr>
-                </a:solidFill>
-              </a:rPr>
-              <a:t>model.compile</a:t>
-            </a:r>
-            <a:r>
-              <a:rPr lang="en-US" sz="1800" dirty="0">
-                <a:solidFill>
-                  <a:schemeClr val="tx1">
-                    <a:lumMod val="50000"/>
-                    <a:lumOff val="50000"/>
-                  </a:schemeClr>
-                </a:solidFill>
-              </a:rPr>
-              <a:t>(optimizer='</a:t>
-            </a:r>
-            <a:r>
-              <a:rPr lang="en-US" sz="1800" dirty="0" err="1">
-                <a:solidFill>
-                  <a:schemeClr val="tx1">
-                    <a:lumMod val="50000"/>
-                    <a:lumOff val="50000"/>
-                  </a:schemeClr>
-                </a:solidFill>
-              </a:rPr>
-              <a:t>sgd</a:t>
-            </a:r>
-            <a:r>
-              <a:rPr lang="en-US" sz="1800" dirty="0">
-                <a:solidFill>
-                  <a:schemeClr val="tx1">
-                    <a:lumMod val="50000"/>
-                    <a:lumOff val="50000"/>
-                  </a:schemeClr>
-                </a:solidFill>
-              </a:rPr>
-              <a:t>', loss='</a:t>
-            </a:r>
-            <a:r>
-              <a:rPr lang="en-US" sz="1800" dirty="0" err="1">
-                <a:solidFill>
-                  <a:schemeClr val="tx1">
-                    <a:lumMod val="50000"/>
-                    <a:lumOff val="50000"/>
-                  </a:schemeClr>
-                </a:solidFill>
-              </a:rPr>
-              <a:t>categorical_crossentropy</a:t>
-            </a:r>
-            <a:r>
-              <a:rPr lang="en-US" sz="1800" dirty="0">
-                <a:solidFill>
-                  <a:schemeClr val="tx1">
-                    <a:lumMod val="50000"/>
-                    <a:lumOff val="50000"/>
-                  </a:schemeClr>
-                </a:solidFill>
-              </a:rPr>
-              <a:t>', metrics=['accuracy']) </a:t>
-            </a:r>
-            <a:br>
-              <a:rPr lang="en-US" sz="1800" dirty="0">
-                <a:solidFill>
-                  <a:schemeClr val="tx1">
-                    <a:lumMod val="50000"/>
-                    <a:lumOff val="50000"/>
-                  </a:schemeClr>
-                </a:solidFill>
-              </a:rPr>
-            </a:br>
-            <a:r>
-              <a:rPr lang="en-US" sz="1800" dirty="0">
-                <a:solidFill>
-                  <a:schemeClr val="tx1">
-                    <a:lumMod val="50000"/>
-                    <a:lumOff val="50000"/>
-                  </a:schemeClr>
-                </a:solidFill>
-              </a:rPr>
-              <a:t>history = </a:t>
-            </a:r>
-            <a:r>
-              <a:rPr lang="en-US" sz="1800" dirty="0" err="1">
-                <a:solidFill>
-                  <a:schemeClr val="tx1">
-                    <a:lumMod val="50000"/>
-                    <a:lumOff val="50000"/>
-                  </a:schemeClr>
-                </a:solidFill>
-              </a:rPr>
-              <a:t>model.fit</a:t>
-            </a:r>
-            <a:r>
-              <a:rPr lang="en-US" sz="1800" dirty="0">
-                <a:solidFill>
-                  <a:schemeClr val="tx1">
-                    <a:lumMod val="50000"/>
-                    <a:lumOff val="50000"/>
-                  </a:schemeClr>
-                </a:solidFill>
-              </a:rPr>
-              <a:t>(</a:t>
-            </a:r>
-            <a:r>
-              <a:rPr lang="en-US" sz="1800" dirty="0" err="1">
-                <a:solidFill>
-                  <a:schemeClr val="tx1">
-                    <a:lumMod val="50000"/>
-                    <a:lumOff val="50000"/>
-                  </a:schemeClr>
-                </a:solidFill>
-              </a:rPr>
-              <a:t>X_train</a:t>
-            </a:r>
-            <a:r>
-              <a:rPr lang="en-US" sz="1800" dirty="0">
-                <a:solidFill>
-                  <a:schemeClr val="tx1">
-                    <a:lumMod val="50000"/>
-                    <a:lumOff val="50000"/>
-                  </a:schemeClr>
-                </a:solidFill>
-              </a:rPr>
-              <a:t>, </a:t>
-            </a:r>
-            <a:r>
-              <a:rPr lang="en-US" sz="1800" dirty="0" err="1">
-                <a:solidFill>
-                  <a:schemeClr val="tx1">
-                    <a:lumMod val="50000"/>
-                    <a:lumOff val="50000"/>
-                  </a:schemeClr>
-                </a:solidFill>
-              </a:rPr>
-              <a:t>Y_train</a:t>
-            </a:r>
-            <a:r>
-              <a:rPr lang="en-US" sz="1800" dirty="0">
-                <a:solidFill>
-                  <a:schemeClr val="tx1">
-                    <a:lumMod val="50000"/>
-                    <a:lumOff val="50000"/>
-                  </a:schemeClr>
-                </a:solidFill>
-              </a:rPr>
-              <a:t>, 128, </a:t>
-            </a:r>
-            <a:r>
-              <a:rPr lang="en-US" sz="1800" dirty="0" err="1">
-                <a:solidFill>
-                  <a:schemeClr val="tx1">
-                    <a:lumMod val="50000"/>
-                    <a:lumOff val="50000"/>
-                  </a:schemeClr>
-                </a:solidFill>
-              </a:rPr>
-              <a:t>nb_epoch</a:t>
-            </a:r>
-            <a:r>
-              <a:rPr lang="en-US" sz="1800" dirty="0">
-                <a:solidFill>
-                  <a:schemeClr val="tx1">
-                    <a:lumMod val="50000"/>
-                    <a:lumOff val="50000"/>
-                  </a:schemeClr>
-                </a:solidFill>
-              </a:rPr>
-              <a:t>=5,  </a:t>
-            </a:r>
-            <a:r>
-              <a:rPr lang="en-US" sz="1800" dirty="0" err="1">
-                <a:solidFill>
-                  <a:schemeClr val="tx1">
-                    <a:lumMod val="50000"/>
-                    <a:lumOff val="50000"/>
-                  </a:schemeClr>
-                </a:solidFill>
-              </a:rPr>
-              <a:t>validation_data</a:t>
-            </a:r>
-            <a:r>
-              <a:rPr lang="en-US" sz="1800" dirty="0">
-                <a:solidFill>
-                  <a:schemeClr val="tx1">
-                    <a:lumMod val="50000"/>
-                    <a:lumOff val="50000"/>
-                  </a:schemeClr>
-                </a:solidFill>
-              </a:rPr>
-              <a:t>=(</a:t>
-            </a:r>
-            <a:r>
-              <a:rPr lang="en-US" sz="1800" dirty="0" err="1">
-                <a:solidFill>
-                  <a:schemeClr val="tx1">
-                    <a:lumMod val="50000"/>
-                    <a:lumOff val="50000"/>
-                  </a:schemeClr>
-                </a:solidFill>
-              </a:rPr>
-              <a:t>X_test</a:t>
-            </a:r>
-            <a:r>
-              <a:rPr lang="en-US" sz="1800" dirty="0">
-                <a:solidFill>
-                  <a:schemeClr val="tx1">
-                    <a:lumMod val="50000"/>
-                    <a:lumOff val="50000"/>
-                  </a:schemeClr>
-                </a:solidFill>
-              </a:rPr>
-              <a:t>, </a:t>
-            </a:r>
-            <a:r>
-              <a:rPr lang="en-US" sz="1800" dirty="0" err="1">
-                <a:solidFill>
-                  <a:schemeClr val="tx1">
-                    <a:lumMod val="50000"/>
-                    <a:lumOff val="50000"/>
-                  </a:schemeClr>
-                </a:solidFill>
-              </a:rPr>
-              <a:t>Y_test</a:t>
-            </a:r>
-            <a:r>
-              <a:rPr lang="en-US" sz="1800" dirty="0">
-                <a:solidFill>
-                  <a:schemeClr val="tx1">
-                    <a:lumMod val="50000"/>
-                    <a:lumOff val="50000"/>
-                  </a:schemeClr>
-                </a:solidFill>
-              </a:rPr>
-              <a:t>)) </a:t>
-            </a:r>
-            <a:br>
-              <a:rPr lang="en-US" sz="1800" dirty="0">
-                <a:solidFill>
-                  <a:schemeClr val="tx1">
-                    <a:lumMod val="50000"/>
-                    <a:lumOff val="50000"/>
-                  </a:schemeClr>
-                </a:solidFill>
-              </a:rPr>
-            </a:br>
-            <a:r>
-              <a:rPr lang="en-US" sz="1800" dirty="0">
-                <a:solidFill>
-                  <a:schemeClr val="tx1">
-                    <a:lumMod val="50000"/>
-                    <a:lumOff val="50000"/>
-                  </a:schemeClr>
-                </a:solidFill>
-              </a:rPr>
-              <a:t>score = </a:t>
-            </a:r>
-            <a:r>
-              <a:rPr lang="en-US" sz="1800" dirty="0" err="1">
-                <a:solidFill>
-                  <a:schemeClr val="tx1">
-                    <a:lumMod val="50000"/>
-                    <a:lumOff val="50000"/>
-                  </a:schemeClr>
-                </a:solidFill>
-              </a:rPr>
-              <a:t>model.evaluate</a:t>
-            </a:r>
-            <a:r>
-              <a:rPr lang="en-US" sz="1800" dirty="0">
-                <a:solidFill>
-                  <a:schemeClr val="tx1">
-                    <a:lumMod val="50000"/>
-                    <a:lumOff val="50000"/>
-                  </a:schemeClr>
-                </a:solidFill>
-              </a:rPr>
-              <a:t>(</a:t>
-            </a:r>
-            <a:r>
-              <a:rPr lang="en-US" sz="1800" dirty="0" err="1">
-                <a:solidFill>
-                  <a:schemeClr val="tx1">
-                    <a:lumMod val="50000"/>
-                    <a:lumOff val="50000"/>
-                  </a:schemeClr>
-                </a:solidFill>
-              </a:rPr>
-              <a:t>X_test</a:t>
-            </a:r>
-            <a:r>
-              <a:rPr lang="en-US" sz="1800" dirty="0">
-                <a:solidFill>
-                  <a:schemeClr val="tx1">
-                    <a:lumMod val="50000"/>
-                    <a:lumOff val="50000"/>
-                  </a:schemeClr>
-                </a:solidFill>
-              </a:rPr>
-              <a:t>, </a:t>
-            </a:r>
-            <a:r>
-              <a:rPr lang="en-US" sz="1800" dirty="0" err="1" smtClean="0">
-                <a:solidFill>
-                  <a:schemeClr val="tx1">
-                    <a:lumMod val="50000"/>
-                    <a:lumOff val="50000"/>
-                  </a:schemeClr>
-                </a:solidFill>
-              </a:rPr>
-              <a:t>Y_test</a:t>
-            </a:r>
-            <a:r>
-              <a:rPr lang="en-US" sz="1800" dirty="0" smtClean="0">
-                <a:solidFill>
-                  <a:schemeClr val="tx1">
-                    <a:lumMod val="50000"/>
-                    <a:lumOff val="50000"/>
-                  </a:schemeClr>
-                </a:solidFill>
-              </a:rPr>
-              <a:t>) </a:t>
-            </a:r>
-            <a:r>
-              <a:rPr lang="en-US" sz="1800" dirty="0"/>
-              <a:t/>
             </a:r>
             <a:br>
               <a:rPr lang="en-US" sz="1800" dirty="0"/>
             </a:br>
             <a:r>
+              <a:rPr lang="en-US" sz="1800" dirty="0" err="1"/>
+              <a:t>model.add</a:t>
+            </a:r>
+            <a:r>
               <a:rPr lang="en-US" sz="1800" dirty="0"/>
-              <a:t/>
+              <a:t>(Dense(10, </a:t>
+            </a:r>
+            <a:r>
+              <a:rPr lang="en-US" sz="1800" dirty="0" err="1"/>
+              <a:t>input_dim</a:t>
+            </a:r>
+            <a:r>
+              <a:rPr lang="en-US" sz="1800" dirty="0"/>
+              <a:t>=100, activation='</a:t>
+            </a:r>
+            <a:r>
+              <a:rPr lang="en-US" sz="1800" dirty="0" err="1"/>
+              <a:t>softmax</a:t>
+            </a:r>
+            <a:r>
+              <a:rPr lang="en-US" sz="1800" dirty="0"/>
+              <a:t>')) </a:t>
             </a:r>
             <a:br>
               <a:rPr lang="en-US" sz="1800" dirty="0"/>
             </a:br>
-            <a:endParaRPr lang="en-US" sz="1800" dirty="0">
-              <a:solidFill>
-                <a:schemeClr val="tx1">
-                  <a:lumMod val="50000"/>
-                  <a:lumOff val="50000"/>
-                </a:schemeClr>
-              </a:solidFill>
-            </a:endParaRPr>
+            <a:r>
+              <a:rPr lang="en-US" sz="1800" dirty="0" err="1"/>
+              <a:t>model.compile</a:t>
+            </a:r>
+            <a:r>
+              <a:rPr lang="en-US" sz="1800" dirty="0"/>
+              <a:t>(optimizer='</a:t>
+            </a:r>
+            <a:r>
+              <a:rPr lang="en-US" sz="1800" dirty="0" err="1"/>
+              <a:t>sgd</a:t>
+            </a:r>
+            <a:r>
+              <a:rPr lang="en-US" sz="1800" dirty="0"/>
+              <a:t>', loss='</a:t>
+            </a:r>
+            <a:r>
+              <a:rPr lang="en-US" sz="1800" dirty="0" err="1"/>
+              <a:t>categorical_crossentropy</a:t>
+            </a:r>
+            <a:r>
+              <a:rPr lang="en-US" sz="1800" dirty="0"/>
+              <a:t>', metrics=['accuracy']) </a:t>
+            </a:r>
+            <a:br>
+              <a:rPr lang="en-US" sz="1800" dirty="0"/>
+            </a:br>
+            <a:r>
+              <a:rPr lang="en-US" sz="1800" dirty="0"/>
+              <a:t>history = </a:t>
+            </a:r>
+            <a:r>
+              <a:rPr lang="en-US" sz="1800" dirty="0" err="1"/>
+              <a:t>model.fit</a:t>
+            </a:r>
+            <a:r>
+              <a:rPr lang="en-US" sz="1800" dirty="0"/>
+              <a:t>(</a:t>
+            </a:r>
+            <a:r>
+              <a:rPr lang="en-US" sz="1800" dirty="0" err="1"/>
+              <a:t>X_train</a:t>
+            </a:r>
+            <a:r>
+              <a:rPr lang="en-US" sz="1800" dirty="0"/>
+              <a:t>, </a:t>
+            </a:r>
+            <a:r>
+              <a:rPr lang="en-US" sz="1800" dirty="0" err="1"/>
+              <a:t>Y_train</a:t>
+            </a:r>
+            <a:r>
+              <a:rPr lang="en-US" sz="1800" dirty="0"/>
+              <a:t>, 128, </a:t>
+            </a:r>
+            <a:r>
+              <a:rPr lang="en-US" sz="1800" dirty="0" err="1"/>
+              <a:t>nb_epoch</a:t>
+            </a:r>
+            <a:r>
+              <a:rPr lang="en-US" sz="1800" dirty="0"/>
+              <a:t>=5,  </a:t>
+            </a:r>
+            <a:r>
+              <a:rPr lang="en-US" sz="1800" dirty="0" err="1"/>
+              <a:t>validation_data</a:t>
+            </a:r>
+            <a:r>
+              <a:rPr lang="en-US" sz="1800" dirty="0"/>
+              <a:t>=(</a:t>
+            </a:r>
+            <a:r>
+              <a:rPr lang="en-US" sz="1800" dirty="0" err="1"/>
+              <a:t>X_test</a:t>
+            </a:r>
+            <a:r>
+              <a:rPr lang="en-US" sz="1800" dirty="0"/>
+              <a:t>, </a:t>
+            </a:r>
+            <a:r>
+              <a:rPr lang="en-US" sz="1800" dirty="0" err="1"/>
+              <a:t>Y_test</a:t>
+            </a:r>
+            <a:r>
+              <a:rPr lang="en-US" sz="1800" dirty="0"/>
+              <a:t>)) </a:t>
+            </a:r>
+            <a:br>
+              <a:rPr lang="en-US" sz="1800" dirty="0"/>
+            </a:br>
+            <a:r>
+              <a:rPr lang="en-US" sz="1800" dirty="0"/>
+              <a:t>score = </a:t>
+            </a:r>
+            <a:r>
+              <a:rPr lang="en-US" sz="1800" dirty="0" err="1"/>
+              <a:t>model.evaluate</a:t>
+            </a:r>
+            <a:r>
+              <a:rPr lang="en-US" sz="1800" dirty="0"/>
+              <a:t>(</a:t>
+            </a:r>
+            <a:r>
+              <a:rPr lang="en-US" sz="1800" dirty="0" err="1"/>
+              <a:t>X_test</a:t>
+            </a:r>
+            <a:r>
+              <a:rPr lang="en-US" sz="1800" dirty="0"/>
+              <a:t>, </a:t>
+            </a:r>
+            <a:r>
+              <a:rPr lang="en-US" sz="1800" dirty="0" err="1" smtClean="0"/>
+              <a:t>Y_test</a:t>
+            </a:r>
+            <a:r>
+              <a:rPr lang="en-US" sz="1800" dirty="0" smtClean="0"/>
+              <a:t>) </a:t>
+            </a:r>
+            <a:r>
+              <a:rPr lang="en-US" sz="1800" dirty="0"/>
+              <a:t/>
+            </a:r>
+            <a:br>
+              <a:rPr lang="en-US" sz="1800" dirty="0"/>
+            </a:br>
+            <a:r>
+              <a:rPr lang="en-US" sz="1800" dirty="0"/>
+              <a:t/>
+            </a:r>
+            <a:br>
+              <a:rPr lang="en-US" sz="1800" dirty="0"/>
+            </a:br>
+            <a:endParaRPr lang="en-US" sz="1800" dirty="0"/>
           </a:p>
         </p:txBody>
       </p:sp>
